--- a/Apresentacao.pptx
+++ b/Apresentacao.pptx
@@ -10,7 +10,6 @@
     <p:sldId id="258" r:id="rId4"/>
     <p:sldId id="259" r:id="rId5"/>
     <p:sldId id="260" r:id="rId6"/>
-    <p:sldId id="261" r:id="rId7"/>
   </p:sldIdLst>
   <p:sldSz cx="12192000" cy="6858000"/>
   <p:notesSz cx="6858000" cy="9144000"/>
@@ -109,6 +108,11 @@
       </a:defRPr>
     </a:lvl9pPr>
   </p:defaultTextStyle>
+  <p:extLst>
+    <p:ext uri="{EFAFB233-063F-42B5-8137-9DF3F51BA10A}">
+      <p15:sldGuideLst xmlns:p15="http://schemas.microsoft.com/office/powerpoint/2012/main"/>
+    </p:ext>
+  </p:extLst>
 </p:presentation>
 </file>
 
@@ -12514,26 +12518,9 @@
           <a:lstStyle/>
           <a:p>
             <a:r>
-              <a:rPr lang="pt-PT" dirty="0" err="1"/>
-              <a:t>Run</a:t>
+              <a:rPr lang="pt-PT" i="1" dirty="0"/>
+              <a:t>Run Lenght encoding</a:t>
             </a:r>
-            <a:r>
-              <a:rPr lang="pt-PT" dirty="0"/>
-              <a:t> </a:t>
-            </a:r>
-            <a:r>
-              <a:rPr lang="pt-PT" dirty="0" err="1"/>
-              <a:t>Lenght</a:t>
-            </a:r>
-            <a:r>
-              <a:rPr lang="pt-PT" dirty="0"/>
-              <a:t> </a:t>
-            </a:r>
-            <a:r>
-              <a:rPr lang="pt-PT" dirty="0" err="1"/>
-              <a:t>encoding</a:t>
-            </a:r>
-            <a:endParaRPr lang="pt-PT" dirty="0"/>
           </a:p>
         </p:txBody>
       </p:sp>
@@ -12559,20 +12546,20 @@
           <a:lstStyle/>
           <a:p>
             <a:r>
-              <a:rPr lang="pt-PT" dirty="0" err="1"/>
-              <a:t>Multimedia</a:t>
+              <a:rPr lang="pt-PT" dirty="0"/>
+              <a:t>Multimédia ii, UFP</a:t>
             </a:r>
+          </a:p>
+          <a:p>
             <a:r>
               <a:rPr lang="pt-PT" dirty="0"/>
-              <a:t> </a:t>
+              <a:t>Ana Almeida</a:t>
             </a:r>
-            <a:r>
-              <a:rPr lang="pt-PT" dirty="0" err="1"/>
-              <a:t>ii</a:t>
-            </a:r>
+          </a:p>
+          <a:p>
             <a:r>
               <a:rPr lang="pt-PT" dirty="0"/>
-              <a:t>, UFP</a:t>
+              <a:t>Pedro Sousa - 38130</a:t>
             </a:r>
           </a:p>
         </p:txBody>
@@ -12628,7 +12615,10 @@
           <a:bodyPr/>
           <a:lstStyle/>
           <a:p>
-            <a:endParaRPr lang="pt-PT"/>
+            <a:r>
+              <a:rPr lang="pt-PT" dirty="0"/>
+              <a:t>O que é?</a:t>
+            </a:r>
           </a:p>
         </p:txBody>
       </p:sp>
@@ -12655,7 +12645,7 @@
           <a:p>
             <a:r>
               <a:rPr lang="pt-PT" dirty="0"/>
-              <a:t>Método de compressão sem perdas</a:t>
+              <a:t>Algoritmo de compressão sem perdas;</a:t>
             </a:r>
           </a:p>
           <a:p>
@@ -12664,12 +12654,18 @@
               <a:t>Para comprimir </a:t>
             </a:r>
             <a:r>
-              <a:rPr lang="pt-PT" dirty="0" err="1"/>
+              <a:rPr lang="pt-PT" i="1" dirty="0"/>
               <a:t>strings</a:t>
             </a:r>
             <a:r>
               <a:rPr lang="pt-PT" dirty="0"/>
-              <a:t> ou imagens, agrupando repetições de valores, reduzindo assim o seu tamanho</a:t>
+              <a:t> ou imagens, agrupando os caracteres repetidos, reduzindo assim o seu tamanho;</a:t>
+            </a:r>
+          </a:p>
+          <a:p>
+            <a:r>
+              <a:rPr lang="pt-PT" dirty="0"/>
+              <a:t>Quanto maior a quantidade de repetições, maior o rácio de compressão.</a:t>
             </a:r>
           </a:p>
           <a:p>
@@ -12769,7 +12765,15 @@
           <a:p>
             <a:r>
               <a:rPr lang="pt-PT" dirty="0"/>
-              <a:t>A string reduziu cerca de 33.34%</a:t>
+              <a:t>A </a:t>
+            </a:r>
+            <a:r>
+              <a:rPr lang="pt-PT" i="1" dirty="0"/>
+              <a:t>string</a:t>
+            </a:r>
+            <a:r>
+              <a:rPr lang="pt-PT" dirty="0"/>
+              <a:t> reduziu cerca de 33.34%</a:t>
             </a:r>
           </a:p>
         </p:txBody>
@@ -13031,86 +13035,6 @@
     <p:extLst>
       <p:ext uri="{BB962C8B-B14F-4D97-AF65-F5344CB8AC3E}">
         <p14:creationId xmlns:p14="http://schemas.microsoft.com/office/powerpoint/2010/main" val="2233473904"/>
-      </p:ext>
-    </p:extLst>
-  </p:cSld>
-  <p:clrMapOvr>
-    <a:masterClrMapping/>
-  </p:clrMapOvr>
-</p:sld>
-</file>
-
-<file path=ppt/slides/slide6.xml><?xml version="1.0" encoding="utf-8"?>
-<p:sld xmlns:a="http://schemas.openxmlformats.org/drawingml/2006/main" xmlns:r="http://schemas.openxmlformats.org/officeDocument/2006/relationships" xmlns:p="http://schemas.openxmlformats.org/presentationml/2006/main">
-  <p:cSld>
-    <p:spTree>
-      <p:nvGrpSpPr>
-        <p:cNvPr id="1" name=""/>
-        <p:cNvGrpSpPr/>
-        <p:nvPr/>
-      </p:nvGrpSpPr>
-      <p:grpSpPr>
-        <a:xfrm>
-          <a:off x="0" y="0"/>
-          <a:ext cx="0" cy="0"/>
-          <a:chOff x="0" y="0"/>
-          <a:chExt cx="0" cy="0"/>
-        </a:xfrm>
-      </p:grpSpPr>
-      <p:sp>
-        <p:nvSpPr>
-          <p:cNvPr id="2" name="Título 1">
-            <a:extLst>
-              <a:ext uri="{FF2B5EF4-FFF2-40B4-BE49-F238E27FC236}">
-                <a16:creationId xmlns:a16="http://schemas.microsoft.com/office/drawing/2014/main" id="{2A9B9AAB-5B65-0C97-B380-A4B70C41FD1E}"/>
-              </a:ext>
-            </a:extLst>
-          </p:cNvPr>
-          <p:cNvSpPr>
-            <a:spLocks noGrp="1"/>
-          </p:cNvSpPr>
-          <p:nvPr>
-            <p:ph type="title"/>
-          </p:nvPr>
-        </p:nvSpPr>
-        <p:spPr/>
-        <p:txBody>
-          <a:bodyPr/>
-          <a:lstStyle/>
-          <a:p>
-            <a:endParaRPr lang="pt-PT"/>
-          </a:p>
-        </p:txBody>
-      </p:sp>
-      <p:sp>
-        <p:nvSpPr>
-          <p:cNvPr id="3" name="Marcador de Posição de Conteúdo 2">
-            <a:extLst>
-              <a:ext uri="{FF2B5EF4-FFF2-40B4-BE49-F238E27FC236}">
-                <a16:creationId xmlns:a16="http://schemas.microsoft.com/office/drawing/2014/main" id="{47CF841E-1E77-050A-2A45-05E0E333BBA0}"/>
-              </a:ext>
-            </a:extLst>
-          </p:cNvPr>
-          <p:cNvSpPr>
-            <a:spLocks noGrp="1"/>
-          </p:cNvSpPr>
-          <p:nvPr>
-            <p:ph idx="1"/>
-          </p:nvPr>
-        </p:nvSpPr>
-        <p:spPr/>
-        <p:txBody>
-          <a:bodyPr/>
-          <a:lstStyle/>
-          <a:p>
-            <a:endParaRPr lang="pt-PT"/>
-          </a:p>
-        </p:txBody>
-      </p:sp>
-    </p:spTree>
-    <p:extLst>
-      <p:ext uri="{BB962C8B-B14F-4D97-AF65-F5344CB8AC3E}">
-        <p14:creationId xmlns:p14="http://schemas.microsoft.com/office/powerpoint/2010/main" val="2419347832"/>
       </p:ext>
     </p:extLst>
   </p:cSld>

--- a/Apresentacao.pptx
+++ b/Apresentacao.pptx
@@ -173,7 +173,7 @@
           <a:noFill/>
           <a:extLst>
             <a:ext uri="{909E8E84-426E-40dd-AFC4-6F175D3DCCD1}">
-              <a14:hiddenFill xmlns:a14="http://schemas.microsoft.com/office/drawing/2010/main" xmlns="">
+              <a14:hiddenFill xmlns="" xmlns:a14="http://schemas.microsoft.com/office/drawing/2010/main">
                 <a:solidFill>
                   <a:srgbClr val="FFFFFF"/>
                 </a:solidFill>
@@ -233,7 +233,7 @@
             </a:ln>
             <a:extLst>
               <a:ext uri="{91240B29-F687-4f45-9708-019B960494DF}">
-                <a14:hiddenLine xmlns:a14="http://schemas.microsoft.com/office/drawing/2010/main" xmlns="" w="9525">
+                <a14:hiddenLine xmlns="" xmlns:a14="http://schemas.microsoft.com/office/drawing/2010/main" w="9525">
                   <a:solidFill>
                     <a:srgbClr val="000000"/>
                   </a:solidFill>
@@ -323,7 +323,7 @@
             </a:ln>
             <a:extLst>
               <a:ext uri="{91240B29-F687-4f45-9708-019B960494DF}">
-                <a14:hiddenLine xmlns:a14="http://schemas.microsoft.com/office/drawing/2010/main" xmlns="" w="9525">
+                <a14:hiddenLine xmlns="" xmlns:a14="http://schemas.microsoft.com/office/drawing/2010/main" w="9525">
                   <a:solidFill>
                     <a:srgbClr val="000000"/>
                   </a:solidFill>
@@ -413,7 +413,7 @@
             </a:ln>
             <a:extLst>
               <a:ext uri="{91240B29-F687-4f45-9708-019B960494DF}">
-                <a14:hiddenLine xmlns:a14="http://schemas.microsoft.com/office/drawing/2010/main" xmlns="" w="9525">
+                <a14:hiddenLine xmlns="" xmlns:a14="http://schemas.microsoft.com/office/drawing/2010/main" w="9525">
                   <a:solidFill>
                     <a:srgbClr val="000000"/>
                   </a:solidFill>
@@ -447,7 +447,7 @@
             </a:ln>
             <a:extLst>
               <a:ext uri="{91240B29-F687-4f45-9708-019B960494DF}">
-                <a14:hiddenLine xmlns:a14="http://schemas.microsoft.com/office/drawing/2010/main" xmlns="" w="9525">
+                <a14:hiddenLine xmlns="" xmlns:a14="http://schemas.microsoft.com/office/drawing/2010/main" w="9525">
                   <a:solidFill>
                     <a:srgbClr val="000000"/>
                   </a:solidFill>
@@ -537,7 +537,7 @@
             </a:ln>
             <a:extLst>
               <a:ext uri="{91240B29-F687-4f45-9708-019B960494DF}">
-                <a14:hiddenLine xmlns:a14="http://schemas.microsoft.com/office/drawing/2010/main" xmlns="" w="9525">
+                <a14:hiddenLine xmlns="" xmlns:a14="http://schemas.microsoft.com/office/drawing/2010/main" w="9525">
                   <a:solidFill>
                     <a:srgbClr val="000000"/>
                   </a:solidFill>
@@ -599,7 +599,7 @@
             </a:ln>
             <a:extLst>
               <a:ext uri="{91240B29-F687-4f45-9708-019B960494DF}">
-                <a14:hiddenLine xmlns:a14="http://schemas.microsoft.com/office/drawing/2010/main" xmlns="" w="9525">
+                <a14:hiddenLine xmlns="" xmlns:a14="http://schemas.microsoft.com/office/drawing/2010/main" w="9525">
                   <a:solidFill>
                     <a:srgbClr val="000000"/>
                   </a:solidFill>
@@ -661,7 +661,7 @@
             </a:ln>
             <a:extLst>
               <a:ext uri="{91240B29-F687-4f45-9708-019B960494DF}">
-                <a14:hiddenLine xmlns:a14="http://schemas.microsoft.com/office/drawing/2010/main" xmlns="" w="9525">
+                <a14:hiddenLine xmlns="" xmlns:a14="http://schemas.microsoft.com/office/drawing/2010/main" w="9525">
                   <a:solidFill>
                     <a:srgbClr val="000000"/>
                   </a:solidFill>
@@ -751,7 +751,7 @@
             </a:ln>
             <a:extLst>
               <a:ext uri="{91240B29-F687-4f45-9708-019B960494DF}">
-                <a14:hiddenLine xmlns:a14="http://schemas.microsoft.com/office/drawing/2010/main" xmlns="" w="9525">
+                <a14:hiddenLine xmlns="" xmlns:a14="http://schemas.microsoft.com/office/drawing/2010/main" w="9525">
                   <a:solidFill>
                     <a:srgbClr val="000000"/>
                   </a:solidFill>
@@ -813,7 +813,7 @@
             </a:ln>
             <a:extLst>
               <a:ext uri="{91240B29-F687-4f45-9708-019B960494DF}">
-                <a14:hiddenLine xmlns:a14="http://schemas.microsoft.com/office/drawing/2010/main" xmlns="" w="9525">
+                <a14:hiddenLine xmlns="" xmlns:a14="http://schemas.microsoft.com/office/drawing/2010/main" w="9525">
                   <a:solidFill>
                     <a:srgbClr val="000000"/>
                   </a:solidFill>
@@ -875,7 +875,7 @@
             </a:ln>
             <a:extLst>
               <a:ext uri="{91240B29-F687-4f45-9708-019B960494DF}">
-                <a14:hiddenLine xmlns:a14="http://schemas.microsoft.com/office/drawing/2010/main" xmlns="" w="9525">
+                <a14:hiddenLine xmlns="" xmlns:a14="http://schemas.microsoft.com/office/drawing/2010/main" w="9525">
                   <a:solidFill>
                     <a:srgbClr val="000000"/>
                   </a:solidFill>
@@ -965,7 +965,7 @@
             </a:ln>
             <a:extLst>
               <a:ext uri="{91240B29-F687-4f45-9708-019B960494DF}">
-                <a14:hiddenLine xmlns:a14="http://schemas.microsoft.com/office/drawing/2010/main" xmlns="" w="9525">
+                <a14:hiddenLine xmlns="" xmlns:a14="http://schemas.microsoft.com/office/drawing/2010/main" w="9525">
                   <a:solidFill>
                     <a:srgbClr val="000000"/>
                   </a:solidFill>
@@ -1055,7 +1055,7 @@
             </a:ln>
             <a:extLst>
               <a:ext uri="{91240B29-F687-4f45-9708-019B960494DF}">
-                <a14:hiddenLine xmlns:a14="http://schemas.microsoft.com/office/drawing/2010/main" xmlns="" w="9525">
+                <a14:hiddenLine xmlns="" xmlns:a14="http://schemas.microsoft.com/office/drawing/2010/main" w="9525">
                   <a:solidFill>
                     <a:srgbClr val="000000"/>
                   </a:solidFill>
@@ -1117,7 +1117,7 @@
             </a:ln>
             <a:extLst>
               <a:ext uri="{91240B29-F687-4f45-9708-019B960494DF}">
-                <a14:hiddenLine xmlns:a14="http://schemas.microsoft.com/office/drawing/2010/main" xmlns="" w="9525">
+                <a14:hiddenLine xmlns="" xmlns:a14="http://schemas.microsoft.com/office/drawing/2010/main" w="9525">
                   <a:solidFill>
                     <a:srgbClr val="000000"/>
                   </a:solidFill>
@@ -1227,7 +1227,7 @@
             </a:ln>
             <a:extLst>
               <a:ext uri="{91240B29-F687-4f45-9708-019B960494DF}">
-                <a14:hiddenLine xmlns:a14="http://schemas.microsoft.com/office/drawing/2010/main" xmlns="" w="9525">
+                <a14:hiddenLine xmlns="" xmlns:a14="http://schemas.microsoft.com/office/drawing/2010/main" w="9525">
                   <a:solidFill>
                     <a:srgbClr val="000000"/>
                   </a:solidFill>
@@ -1289,7 +1289,7 @@
             </a:ln>
             <a:extLst>
               <a:ext uri="{91240B29-F687-4f45-9708-019B960494DF}">
-                <a14:hiddenLine xmlns:a14="http://schemas.microsoft.com/office/drawing/2010/main" xmlns="" w="9525">
+                <a14:hiddenLine xmlns="" xmlns:a14="http://schemas.microsoft.com/office/drawing/2010/main" w="9525">
                   <a:solidFill>
                     <a:srgbClr val="000000"/>
                   </a:solidFill>
@@ -1379,7 +1379,7 @@
             </a:ln>
             <a:extLst>
               <a:ext uri="{91240B29-F687-4f45-9708-019B960494DF}">
-                <a14:hiddenLine xmlns:a14="http://schemas.microsoft.com/office/drawing/2010/main" xmlns="" w="9525">
+                <a14:hiddenLine xmlns="" xmlns:a14="http://schemas.microsoft.com/office/drawing/2010/main" w="9525">
                   <a:solidFill>
                     <a:srgbClr val="000000"/>
                   </a:solidFill>
@@ -1469,7 +1469,7 @@
             </a:ln>
             <a:extLst>
               <a:ext uri="{91240B29-F687-4f45-9708-019B960494DF}">
-                <a14:hiddenLine xmlns:a14="http://schemas.microsoft.com/office/drawing/2010/main" xmlns="" w="9525">
+                <a14:hiddenLine xmlns="" xmlns:a14="http://schemas.microsoft.com/office/drawing/2010/main" w="9525">
                   <a:solidFill>
                     <a:srgbClr val="000000"/>
                   </a:solidFill>
@@ -1531,7 +1531,7 @@
             </a:ln>
             <a:extLst>
               <a:ext uri="{91240B29-F687-4f45-9708-019B960494DF}">
-                <a14:hiddenLine xmlns:a14="http://schemas.microsoft.com/office/drawing/2010/main" xmlns="" w="9525">
+                <a14:hiddenLine xmlns="" xmlns:a14="http://schemas.microsoft.com/office/drawing/2010/main" w="9525">
                   <a:solidFill>
                     <a:srgbClr val="000000"/>
                   </a:solidFill>
@@ -1621,7 +1621,7 @@
             </a:ln>
             <a:extLst>
               <a:ext uri="{91240B29-F687-4f45-9708-019B960494DF}">
-                <a14:hiddenLine xmlns:a14="http://schemas.microsoft.com/office/drawing/2010/main" xmlns="" w="9525">
+                <a14:hiddenLine xmlns="" xmlns:a14="http://schemas.microsoft.com/office/drawing/2010/main" w="9525">
                   <a:solidFill>
                     <a:srgbClr val="000000"/>
                   </a:solidFill>
@@ -1711,7 +1711,7 @@
             </a:ln>
             <a:extLst>
               <a:ext uri="{91240B29-F687-4f45-9708-019B960494DF}">
-                <a14:hiddenLine xmlns:a14="http://schemas.microsoft.com/office/drawing/2010/main" xmlns="" w="9525">
+                <a14:hiddenLine xmlns="" xmlns:a14="http://schemas.microsoft.com/office/drawing/2010/main" w="9525">
                   <a:solidFill>
                     <a:srgbClr val="000000"/>
                   </a:solidFill>
@@ -1767,7 +1767,7 @@
             </a:ln>
             <a:extLst>
               <a:ext uri="{91240B29-F687-4f45-9708-019B960494DF}">
-                <a14:hiddenLine xmlns:a14="http://schemas.microsoft.com/office/drawing/2010/main" xmlns="" w="9525">
+                <a14:hiddenLine xmlns="" xmlns:a14="http://schemas.microsoft.com/office/drawing/2010/main" w="9525">
                   <a:solidFill>
                     <a:srgbClr val="000000"/>
                   </a:solidFill>
@@ -1857,7 +1857,7 @@
             </a:ln>
             <a:extLst>
               <a:ext uri="{91240B29-F687-4f45-9708-019B960494DF}">
-                <a14:hiddenLine xmlns:a14="http://schemas.microsoft.com/office/drawing/2010/main" xmlns="" w="9525">
+                <a14:hiddenLine xmlns="" xmlns:a14="http://schemas.microsoft.com/office/drawing/2010/main" w="9525">
                   <a:solidFill>
                     <a:srgbClr val="000000"/>
                   </a:solidFill>
@@ -1913,7 +1913,7 @@
             </a:ln>
             <a:extLst>
               <a:ext uri="{91240B29-F687-4f45-9708-019B960494DF}">
-                <a14:hiddenLine xmlns:a14="http://schemas.microsoft.com/office/drawing/2010/main" xmlns="" w="9525">
+                <a14:hiddenLine xmlns="" xmlns:a14="http://schemas.microsoft.com/office/drawing/2010/main" w="9525">
                   <a:solidFill>
                     <a:srgbClr val="000000"/>
                   </a:solidFill>
@@ -2003,7 +2003,7 @@
             </a:ln>
             <a:extLst>
               <a:ext uri="{91240B29-F687-4f45-9708-019B960494DF}">
-                <a14:hiddenLine xmlns:a14="http://schemas.microsoft.com/office/drawing/2010/main" xmlns="" w="9525">
+                <a14:hiddenLine xmlns="" xmlns:a14="http://schemas.microsoft.com/office/drawing/2010/main" w="9525">
                   <a:solidFill>
                     <a:srgbClr val="000000"/>
                   </a:solidFill>
@@ -2071,7 +2071,7 @@
             </a:ln>
             <a:extLst>
               <a:ext uri="{91240B29-F687-4f45-9708-019B960494DF}">
-                <a14:hiddenLine xmlns:a14="http://schemas.microsoft.com/office/drawing/2010/main" xmlns="" w="9525">
+                <a14:hiddenLine xmlns="" xmlns:a14="http://schemas.microsoft.com/office/drawing/2010/main" w="9525">
                   <a:solidFill>
                     <a:srgbClr val="000000"/>
                   </a:solidFill>
@@ -2161,7 +2161,7 @@
             </a:ln>
             <a:extLst>
               <a:ext uri="{91240B29-F687-4f45-9708-019B960494DF}">
-                <a14:hiddenLine xmlns:a14="http://schemas.microsoft.com/office/drawing/2010/main" xmlns="" w="9525">
+                <a14:hiddenLine xmlns="" xmlns:a14="http://schemas.microsoft.com/office/drawing/2010/main" w="9525">
                   <a:solidFill>
                     <a:srgbClr val="000000"/>
                   </a:solidFill>
@@ -2229,7 +2229,7 @@
             </a:ln>
             <a:extLst>
               <a:ext uri="{91240B29-F687-4f45-9708-019B960494DF}">
-                <a14:hiddenLine xmlns:a14="http://schemas.microsoft.com/office/drawing/2010/main" xmlns="" w="9525">
+                <a14:hiddenLine xmlns="" xmlns:a14="http://schemas.microsoft.com/office/drawing/2010/main" w="9525">
                   <a:solidFill>
                     <a:srgbClr val="000000"/>
                   </a:solidFill>
@@ -2319,7 +2319,7 @@
             </a:ln>
             <a:extLst>
               <a:ext uri="{91240B29-F687-4f45-9708-019B960494DF}">
-                <a14:hiddenLine xmlns:a14="http://schemas.microsoft.com/office/drawing/2010/main" xmlns="" w="9525">
+                <a14:hiddenLine xmlns="" xmlns:a14="http://schemas.microsoft.com/office/drawing/2010/main" w="9525">
                   <a:solidFill>
                     <a:srgbClr val="000000"/>
                   </a:solidFill>
@@ -2353,7 +2353,7 @@
             </a:ln>
             <a:extLst>
               <a:ext uri="{91240B29-F687-4f45-9708-019B960494DF}">
-                <a14:hiddenLine xmlns:a14="http://schemas.microsoft.com/office/drawing/2010/main" xmlns="" w="9525">
+                <a14:hiddenLine xmlns="" xmlns:a14="http://schemas.microsoft.com/office/drawing/2010/main" w="9525">
                   <a:solidFill>
                     <a:srgbClr val="000000"/>
                   </a:solidFill>
@@ -2443,7 +2443,7 @@
             </a:ln>
             <a:extLst>
               <a:ext uri="{91240B29-F687-4f45-9708-019B960494DF}">
-                <a14:hiddenLine xmlns:a14="http://schemas.microsoft.com/office/drawing/2010/main" xmlns="" w="9525">
+                <a14:hiddenLine xmlns="" xmlns:a14="http://schemas.microsoft.com/office/drawing/2010/main" w="9525">
                   <a:solidFill>
                     <a:srgbClr val="000000"/>
                   </a:solidFill>
@@ -2505,7 +2505,7 @@
             </a:ln>
             <a:extLst>
               <a:ext uri="{91240B29-F687-4f45-9708-019B960494DF}">
-                <a14:hiddenLine xmlns:a14="http://schemas.microsoft.com/office/drawing/2010/main" xmlns="" w="9525">
+                <a14:hiddenLine xmlns="" xmlns:a14="http://schemas.microsoft.com/office/drawing/2010/main" w="9525">
                   <a:solidFill>
                     <a:srgbClr val="000000"/>
                   </a:solidFill>
@@ -2567,7 +2567,7 @@
             </a:ln>
             <a:extLst>
               <a:ext uri="{91240B29-F687-4f45-9708-019B960494DF}">
-                <a14:hiddenLine xmlns:a14="http://schemas.microsoft.com/office/drawing/2010/main" xmlns="" w="9525">
+                <a14:hiddenLine xmlns="" xmlns:a14="http://schemas.microsoft.com/office/drawing/2010/main" w="9525">
                   <a:solidFill>
                     <a:srgbClr val="000000"/>
                   </a:solidFill>
@@ -2657,7 +2657,7 @@
             </a:ln>
             <a:extLst>
               <a:ext uri="{91240B29-F687-4f45-9708-019B960494DF}">
-                <a14:hiddenLine xmlns:a14="http://schemas.microsoft.com/office/drawing/2010/main" xmlns="" w="9525">
+                <a14:hiddenLine xmlns="" xmlns:a14="http://schemas.microsoft.com/office/drawing/2010/main" w="9525">
                   <a:solidFill>
                     <a:srgbClr val="000000"/>
                   </a:solidFill>
@@ -2725,7 +2725,7 @@
             </a:ln>
             <a:extLst>
               <a:ext uri="{91240B29-F687-4f45-9708-019B960494DF}">
-                <a14:hiddenLine xmlns:a14="http://schemas.microsoft.com/office/drawing/2010/main" xmlns="" w="9525">
+                <a14:hiddenLine xmlns="" xmlns:a14="http://schemas.microsoft.com/office/drawing/2010/main" w="9525">
                   <a:solidFill>
                     <a:srgbClr val="000000"/>
                   </a:solidFill>
@@ -2787,7 +2787,7 @@
             </a:ln>
             <a:extLst>
               <a:ext uri="{91240B29-F687-4f45-9708-019B960494DF}">
-                <a14:hiddenLine xmlns:a14="http://schemas.microsoft.com/office/drawing/2010/main" xmlns="" w="9525">
+                <a14:hiddenLine xmlns="" xmlns:a14="http://schemas.microsoft.com/office/drawing/2010/main" w="9525">
                   <a:solidFill>
                     <a:srgbClr val="000000"/>
                   </a:solidFill>
@@ -2877,7 +2877,7 @@
             </a:ln>
             <a:extLst>
               <a:ext uri="{91240B29-F687-4f45-9708-019B960494DF}">
-                <a14:hiddenLine xmlns:a14="http://schemas.microsoft.com/office/drawing/2010/main" xmlns="" w="9525">
+                <a14:hiddenLine xmlns="" xmlns:a14="http://schemas.microsoft.com/office/drawing/2010/main" w="9525">
                   <a:solidFill>
                     <a:srgbClr val="000000"/>
                   </a:solidFill>
@@ -2939,7 +2939,7 @@
             </a:ln>
             <a:extLst>
               <a:ext uri="{91240B29-F687-4f45-9708-019B960494DF}">
-                <a14:hiddenLine xmlns:a14="http://schemas.microsoft.com/office/drawing/2010/main" xmlns="" w="9525">
+                <a14:hiddenLine xmlns="" xmlns:a14="http://schemas.microsoft.com/office/drawing/2010/main" w="9525">
                   <a:solidFill>
                     <a:srgbClr val="000000"/>
                   </a:solidFill>
@@ -3029,7 +3029,7 @@
             </a:ln>
             <a:extLst>
               <a:ext uri="{91240B29-F687-4f45-9708-019B960494DF}">
-                <a14:hiddenLine xmlns:a14="http://schemas.microsoft.com/office/drawing/2010/main" xmlns="" w="9525">
+                <a14:hiddenLine xmlns="" xmlns:a14="http://schemas.microsoft.com/office/drawing/2010/main" w="9525">
                   <a:solidFill>
                     <a:srgbClr val="000000"/>
                   </a:solidFill>
@@ -3091,7 +3091,7 @@
             </a:ln>
             <a:extLst>
               <a:ext uri="{91240B29-F687-4f45-9708-019B960494DF}">
-                <a14:hiddenLine xmlns:a14="http://schemas.microsoft.com/office/drawing/2010/main" xmlns="" w="9525">
+                <a14:hiddenLine xmlns="" xmlns:a14="http://schemas.microsoft.com/office/drawing/2010/main" w="9525">
                   <a:solidFill>
                     <a:srgbClr val="000000"/>
                   </a:solidFill>
@@ -3181,7 +3181,7 @@
             </a:ln>
             <a:extLst>
               <a:ext uri="{91240B29-F687-4f45-9708-019B960494DF}">
-                <a14:hiddenLine xmlns:a14="http://schemas.microsoft.com/office/drawing/2010/main" xmlns="" w="9525">
+                <a14:hiddenLine xmlns="" xmlns:a14="http://schemas.microsoft.com/office/drawing/2010/main" w="9525">
                   <a:solidFill>
                     <a:srgbClr val="000000"/>
                   </a:solidFill>
@@ -3215,7 +3215,7 @@
             </a:ln>
             <a:extLst>
               <a:ext uri="{91240B29-F687-4f45-9708-019B960494DF}">
-                <a14:hiddenLine xmlns:a14="http://schemas.microsoft.com/office/drawing/2010/main" xmlns="" w="9525">
+                <a14:hiddenLine xmlns="" xmlns:a14="http://schemas.microsoft.com/office/drawing/2010/main" w="9525">
                   <a:solidFill>
                     <a:srgbClr val="000000"/>
                   </a:solidFill>
@@ -3280,7 +3280,7 @@
             </a:ln>
             <a:extLst>
               <a:ext uri="{91240B29-F687-4f45-9708-019B960494DF}">
-                <a14:hiddenLine xmlns:a14="http://schemas.microsoft.com/office/drawing/2010/main" xmlns="" w="9525">
+                <a14:hiddenLine xmlns="" xmlns:a14="http://schemas.microsoft.com/office/drawing/2010/main" w="9525">
                   <a:solidFill>
                     <a:srgbClr val="000000"/>
                   </a:solidFill>
@@ -3370,7 +3370,7 @@
             </a:ln>
             <a:extLst>
               <a:ext uri="{91240B29-F687-4f45-9708-019B960494DF}">
-                <a14:hiddenLine xmlns:a14="http://schemas.microsoft.com/office/drawing/2010/main" xmlns="" w="9525">
+                <a14:hiddenLine xmlns="" xmlns:a14="http://schemas.microsoft.com/office/drawing/2010/main" w="9525">
                   <a:solidFill>
                     <a:srgbClr val="000000"/>
                   </a:solidFill>
@@ -3432,7 +3432,7 @@
             </a:ln>
             <a:extLst>
               <a:ext uri="{91240B29-F687-4f45-9708-019B960494DF}">
-                <a14:hiddenLine xmlns:a14="http://schemas.microsoft.com/office/drawing/2010/main" xmlns="" w="9525">
+                <a14:hiddenLine xmlns="" xmlns:a14="http://schemas.microsoft.com/office/drawing/2010/main" w="9525">
                   <a:solidFill>
                     <a:srgbClr val="000000"/>
                   </a:solidFill>
@@ -3522,7 +3522,7 @@
             </a:ln>
             <a:extLst>
               <a:ext uri="{91240B29-F687-4f45-9708-019B960494DF}">
-                <a14:hiddenLine xmlns:a14="http://schemas.microsoft.com/office/drawing/2010/main" xmlns="" w="9525">
+                <a14:hiddenLine xmlns="" xmlns:a14="http://schemas.microsoft.com/office/drawing/2010/main" w="9525">
                   <a:solidFill>
                     <a:srgbClr val="000000"/>
                   </a:solidFill>
@@ -3612,7 +3612,7 @@
             </a:ln>
             <a:extLst>
               <a:ext uri="{91240B29-F687-4f45-9708-019B960494DF}">
-                <a14:hiddenLine xmlns:a14="http://schemas.microsoft.com/office/drawing/2010/main" xmlns="" w="9525">
+                <a14:hiddenLine xmlns="" xmlns:a14="http://schemas.microsoft.com/office/drawing/2010/main" w="9525">
                   <a:solidFill>
                     <a:srgbClr val="000000"/>
                   </a:solidFill>
@@ -3677,7 +3677,7 @@
             </a:ln>
             <a:extLst>
               <a:ext uri="{91240B29-F687-4f45-9708-019B960494DF}">
-                <a14:hiddenLine xmlns:a14="http://schemas.microsoft.com/office/drawing/2010/main" xmlns="" w="9525">
+                <a14:hiddenLine xmlns="" xmlns:a14="http://schemas.microsoft.com/office/drawing/2010/main" w="9525">
                   <a:solidFill>
                     <a:srgbClr val="000000"/>
                   </a:solidFill>
@@ -3739,7 +3739,7 @@
             </a:ln>
             <a:extLst>
               <a:ext uri="{91240B29-F687-4f45-9708-019B960494DF}">
-                <a14:hiddenLine xmlns:a14="http://schemas.microsoft.com/office/drawing/2010/main" xmlns="" w="9525">
+                <a14:hiddenLine xmlns="" xmlns:a14="http://schemas.microsoft.com/office/drawing/2010/main" w="9525">
                   <a:solidFill>
                     <a:srgbClr val="000000"/>
                   </a:solidFill>
@@ -3829,7 +3829,7 @@
             </a:ln>
             <a:extLst>
               <a:ext uri="{91240B29-F687-4f45-9708-019B960494DF}">
-                <a14:hiddenLine xmlns:a14="http://schemas.microsoft.com/office/drawing/2010/main" xmlns="" w="9525">
+                <a14:hiddenLine xmlns="" xmlns:a14="http://schemas.microsoft.com/office/drawing/2010/main" w="9525">
                   <a:solidFill>
                     <a:srgbClr val="000000"/>
                   </a:solidFill>
@@ -3919,7 +3919,7 @@
             </a:ln>
             <a:extLst>
               <a:ext uri="{91240B29-F687-4f45-9708-019B960494DF}">
-                <a14:hiddenLine xmlns:a14="http://schemas.microsoft.com/office/drawing/2010/main" xmlns="" w="9525">
+                <a14:hiddenLine xmlns="" xmlns:a14="http://schemas.microsoft.com/office/drawing/2010/main" w="9525">
                   <a:solidFill>
                     <a:srgbClr val="000000"/>
                   </a:solidFill>
@@ -3981,7 +3981,7 @@
             </a:ln>
             <a:extLst>
               <a:ext uri="{91240B29-F687-4f45-9708-019B960494DF}">
-                <a14:hiddenLine xmlns:a14="http://schemas.microsoft.com/office/drawing/2010/main" xmlns="" w="9525">
+                <a14:hiddenLine xmlns="" xmlns:a14="http://schemas.microsoft.com/office/drawing/2010/main" w="9525">
                   <a:solidFill>
                     <a:srgbClr val="000000"/>
                   </a:solidFill>
@@ -4101,7 +4101,7 @@
             </a:ln>
             <a:extLst>
               <a:ext uri="{91240B29-F687-4f45-9708-019B960494DF}">
-                <a14:hiddenLine xmlns:a14="http://schemas.microsoft.com/office/drawing/2010/main" xmlns="" w="9525">
+                <a14:hiddenLine xmlns="" xmlns:a14="http://schemas.microsoft.com/office/drawing/2010/main" w="9525">
                   <a:solidFill>
                     <a:srgbClr val="000000"/>
                   </a:solidFill>
@@ -4169,7 +4169,7 @@
             </a:ln>
             <a:extLst>
               <a:ext uri="{91240B29-F687-4f45-9708-019B960494DF}">
-                <a14:hiddenLine xmlns:a14="http://schemas.microsoft.com/office/drawing/2010/main" xmlns="" w="9525">
+                <a14:hiddenLine xmlns="" xmlns:a14="http://schemas.microsoft.com/office/drawing/2010/main" w="9525">
                   <a:solidFill>
                     <a:srgbClr val="000000"/>
                   </a:solidFill>
@@ -4259,7 +4259,7 @@
             </a:ln>
             <a:extLst>
               <a:ext uri="{91240B29-F687-4f45-9708-019B960494DF}">
-                <a14:hiddenLine xmlns:a14="http://schemas.microsoft.com/office/drawing/2010/main" xmlns="" w="9525">
+                <a14:hiddenLine xmlns="" xmlns:a14="http://schemas.microsoft.com/office/drawing/2010/main" w="9525">
                   <a:solidFill>
                     <a:srgbClr val="000000"/>
                   </a:solidFill>
@@ -9073,7 +9073,7 @@
           <a:noFill/>
           <a:extLst>
             <a:ext uri="{909E8E84-426E-40dd-AFC4-6F175D3DCCD1}">
-              <a14:hiddenFill xmlns:a14="http://schemas.microsoft.com/office/drawing/2010/main" xmlns="">
+              <a14:hiddenFill xmlns="" xmlns:a14="http://schemas.microsoft.com/office/drawing/2010/main">
                 <a:solidFill>
                   <a:srgbClr val="FFFFFF"/>
                 </a:solidFill>
@@ -9147,7 +9147,7 @@
               </a:ln>
               <a:extLst>
                 <a:ext uri="{91240B29-F687-4f45-9708-019B960494DF}">
-                  <a14:hiddenLine xmlns:a14="http://schemas.microsoft.com/office/drawing/2010/main" xmlns="" w="9525">
+                  <a14:hiddenLine xmlns="" xmlns:a14="http://schemas.microsoft.com/office/drawing/2010/main" w="9525">
                     <a:solidFill>
                       <a:srgbClr val="000000"/>
                     </a:solidFill>
@@ -9237,7 +9237,7 @@
               </a:ln>
               <a:extLst>
                 <a:ext uri="{91240B29-F687-4f45-9708-019B960494DF}">
-                  <a14:hiddenLine xmlns:a14="http://schemas.microsoft.com/office/drawing/2010/main" xmlns="" w="9525">
+                  <a14:hiddenLine xmlns="" xmlns:a14="http://schemas.microsoft.com/office/drawing/2010/main" w="9525">
                     <a:solidFill>
                       <a:srgbClr val="000000"/>
                     </a:solidFill>
@@ -9327,7 +9327,7 @@
               </a:ln>
               <a:extLst>
                 <a:ext uri="{91240B29-F687-4f45-9708-019B960494DF}">
-                  <a14:hiddenLine xmlns:a14="http://schemas.microsoft.com/office/drawing/2010/main" xmlns="" w="9525">
+                  <a14:hiddenLine xmlns="" xmlns:a14="http://schemas.microsoft.com/office/drawing/2010/main" w="9525">
                     <a:solidFill>
                       <a:srgbClr val="000000"/>
                     </a:solidFill>
@@ -9389,7 +9389,7 @@
               </a:ln>
               <a:extLst>
                 <a:ext uri="{91240B29-F687-4f45-9708-019B960494DF}">
-                  <a14:hiddenLine xmlns:a14="http://schemas.microsoft.com/office/drawing/2010/main" xmlns="" w="9525">
+                  <a14:hiddenLine xmlns="" xmlns:a14="http://schemas.microsoft.com/office/drawing/2010/main" w="9525">
                     <a:solidFill>
                       <a:srgbClr val="000000"/>
                     </a:solidFill>
@@ -9479,7 +9479,7 @@
               </a:ln>
               <a:extLst>
                 <a:ext uri="{91240B29-F687-4f45-9708-019B960494DF}">
-                  <a14:hiddenLine xmlns:a14="http://schemas.microsoft.com/office/drawing/2010/main" xmlns="" w="9525">
+                  <a14:hiddenLine xmlns="" xmlns:a14="http://schemas.microsoft.com/office/drawing/2010/main" w="9525">
                     <a:solidFill>
                       <a:srgbClr val="000000"/>
                     </a:solidFill>
@@ -9541,7 +9541,7 @@
               </a:ln>
               <a:extLst>
                 <a:ext uri="{91240B29-F687-4f45-9708-019B960494DF}">
-                  <a14:hiddenLine xmlns:a14="http://schemas.microsoft.com/office/drawing/2010/main" xmlns="" w="9525">
+                  <a14:hiddenLine xmlns="" xmlns:a14="http://schemas.microsoft.com/office/drawing/2010/main" w="9525">
                     <a:solidFill>
                       <a:srgbClr val="000000"/>
                     </a:solidFill>
@@ -9603,7 +9603,7 @@
               </a:ln>
               <a:extLst>
                 <a:ext uri="{91240B29-F687-4f45-9708-019B960494DF}">
-                  <a14:hiddenLine xmlns:a14="http://schemas.microsoft.com/office/drawing/2010/main" xmlns="" w="9525">
+                  <a14:hiddenLine xmlns="" xmlns:a14="http://schemas.microsoft.com/office/drawing/2010/main" w="9525">
                     <a:solidFill>
                       <a:srgbClr val="000000"/>
                     </a:solidFill>
@@ -9693,7 +9693,7 @@
               </a:ln>
               <a:extLst>
                 <a:ext uri="{91240B29-F687-4f45-9708-019B960494DF}">
-                  <a14:hiddenLine xmlns:a14="http://schemas.microsoft.com/office/drawing/2010/main" xmlns="" w="9525">
+                  <a14:hiddenLine xmlns="" xmlns:a14="http://schemas.microsoft.com/office/drawing/2010/main" w="9525">
                     <a:solidFill>
                       <a:srgbClr val="000000"/>
                     </a:solidFill>
@@ -9783,7 +9783,7 @@
               </a:ln>
               <a:extLst>
                 <a:ext uri="{91240B29-F687-4f45-9708-019B960494DF}">
-                  <a14:hiddenLine xmlns:a14="http://schemas.microsoft.com/office/drawing/2010/main" xmlns="" w="9525">
+                  <a14:hiddenLine xmlns="" xmlns:a14="http://schemas.microsoft.com/office/drawing/2010/main" w="9525">
                     <a:solidFill>
                       <a:srgbClr val="000000"/>
                     </a:solidFill>
@@ -9845,7 +9845,7 @@
               </a:ln>
               <a:extLst>
                 <a:ext uri="{91240B29-F687-4f45-9708-019B960494DF}">
-                  <a14:hiddenLine xmlns:a14="http://schemas.microsoft.com/office/drawing/2010/main" xmlns="" w="9525">
+                  <a14:hiddenLine xmlns="" xmlns:a14="http://schemas.microsoft.com/office/drawing/2010/main" w="9525">
                     <a:solidFill>
                       <a:srgbClr val="000000"/>
                     </a:solidFill>
@@ -9955,7 +9955,7 @@
               </a:ln>
               <a:extLst>
                 <a:ext uri="{91240B29-F687-4f45-9708-019B960494DF}">
-                  <a14:hiddenLine xmlns:a14="http://schemas.microsoft.com/office/drawing/2010/main" xmlns="" w="9525">
+                  <a14:hiddenLine xmlns="" xmlns:a14="http://schemas.microsoft.com/office/drawing/2010/main" w="9525">
                     <a:solidFill>
                       <a:srgbClr val="000000"/>
                     </a:solidFill>
@@ -10039,7 +10039,7 @@
               </a:ln>
               <a:extLst>
                 <a:ext uri="{91240B29-F687-4f45-9708-019B960494DF}">
-                  <a14:hiddenLine xmlns:a14="http://schemas.microsoft.com/office/drawing/2010/main" xmlns="" w="9525">
+                  <a14:hiddenLine xmlns="" xmlns:a14="http://schemas.microsoft.com/office/drawing/2010/main" w="9525">
                     <a:solidFill>
                       <a:srgbClr val="000000"/>
                     </a:solidFill>
@@ -10101,7 +10101,7 @@
               </a:ln>
               <a:extLst>
                 <a:ext uri="{91240B29-F687-4f45-9708-019B960494DF}">
-                  <a14:hiddenLine xmlns:a14="http://schemas.microsoft.com/office/drawing/2010/main" xmlns="" w="9525">
+                  <a14:hiddenLine xmlns="" xmlns:a14="http://schemas.microsoft.com/office/drawing/2010/main" w="9525">
                     <a:solidFill>
                       <a:srgbClr val="000000"/>
                     </a:solidFill>
@@ -10163,7 +10163,7 @@
               </a:ln>
               <a:extLst>
                 <a:ext uri="{91240B29-F687-4f45-9708-019B960494DF}">
-                  <a14:hiddenLine xmlns:a14="http://schemas.microsoft.com/office/drawing/2010/main" xmlns="" w="9525">
+                  <a14:hiddenLine xmlns="" xmlns:a14="http://schemas.microsoft.com/office/drawing/2010/main" w="9525">
                     <a:solidFill>
                       <a:srgbClr val="000000"/>
                     </a:solidFill>
@@ -10253,7 +10253,7 @@
               </a:ln>
               <a:extLst>
                 <a:ext uri="{91240B29-F687-4f45-9708-019B960494DF}">
-                  <a14:hiddenLine xmlns:a14="http://schemas.microsoft.com/office/drawing/2010/main" xmlns="" w="9525">
+                  <a14:hiddenLine xmlns="" xmlns:a14="http://schemas.microsoft.com/office/drawing/2010/main" w="9525">
                     <a:solidFill>
                       <a:srgbClr val="000000"/>
                     </a:solidFill>
@@ -10287,7 +10287,7 @@
               </a:ln>
               <a:extLst>
                 <a:ext uri="{91240B29-F687-4f45-9708-019B960494DF}">
-                  <a14:hiddenLine xmlns:a14="http://schemas.microsoft.com/office/drawing/2010/main" xmlns="" w="9525">
+                  <a14:hiddenLine xmlns="" xmlns:a14="http://schemas.microsoft.com/office/drawing/2010/main" w="9525">
                     <a:solidFill>
                       <a:srgbClr val="000000"/>
                     </a:solidFill>
@@ -10352,7 +10352,7 @@
               </a:ln>
               <a:extLst>
                 <a:ext uri="{91240B29-F687-4f45-9708-019B960494DF}">
-                  <a14:hiddenLine xmlns:a14="http://schemas.microsoft.com/office/drawing/2010/main" xmlns="" w="9525">
+                  <a14:hiddenLine xmlns="" xmlns:a14="http://schemas.microsoft.com/office/drawing/2010/main" w="9525">
                     <a:solidFill>
                       <a:srgbClr val="000000"/>
                     </a:solidFill>
@@ -10442,7 +10442,7 @@
               </a:ln>
               <a:extLst>
                 <a:ext uri="{91240B29-F687-4f45-9708-019B960494DF}">
-                  <a14:hiddenLine xmlns:a14="http://schemas.microsoft.com/office/drawing/2010/main" xmlns="" w="9525">
+                  <a14:hiddenLine xmlns="" xmlns:a14="http://schemas.microsoft.com/office/drawing/2010/main" w="9525">
                     <a:solidFill>
                       <a:srgbClr val="000000"/>
                     </a:solidFill>
@@ -10504,7 +10504,7 @@
               </a:ln>
               <a:extLst>
                 <a:ext uri="{91240B29-F687-4f45-9708-019B960494DF}">
-                  <a14:hiddenLine xmlns:a14="http://schemas.microsoft.com/office/drawing/2010/main" xmlns="" w="9525">
+                  <a14:hiddenLine xmlns="" xmlns:a14="http://schemas.microsoft.com/office/drawing/2010/main" w="9525">
                     <a:solidFill>
                       <a:srgbClr val="000000"/>
                     </a:solidFill>
@@ -10594,7 +10594,7 @@
               </a:ln>
               <a:extLst>
                 <a:ext uri="{91240B29-F687-4f45-9708-019B960494DF}">
-                  <a14:hiddenLine xmlns:a14="http://schemas.microsoft.com/office/drawing/2010/main" xmlns="" w="9525">
+                  <a14:hiddenLine xmlns="" xmlns:a14="http://schemas.microsoft.com/office/drawing/2010/main" w="9525">
                     <a:solidFill>
                       <a:srgbClr val="000000"/>
                     </a:solidFill>
@@ -10659,7 +10659,7 @@
               </a:ln>
               <a:extLst>
                 <a:ext uri="{91240B29-F687-4f45-9708-019B960494DF}">
-                  <a14:hiddenLine xmlns:a14="http://schemas.microsoft.com/office/drawing/2010/main" xmlns="" w="9525">
+                  <a14:hiddenLine xmlns="" xmlns:a14="http://schemas.microsoft.com/office/drawing/2010/main" w="9525">
                     <a:solidFill>
                       <a:srgbClr val="000000"/>
                     </a:solidFill>
@@ -10721,7 +10721,7 @@
               </a:ln>
               <a:extLst>
                 <a:ext uri="{91240B29-F687-4f45-9708-019B960494DF}">
-                  <a14:hiddenLine xmlns:a14="http://schemas.microsoft.com/office/drawing/2010/main" xmlns="" w="9525">
+                  <a14:hiddenLine xmlns="" xmlns:a14="http://schemas.microsoft.com/office/drawing/2010/main" w="9525">
                     <a:solidFill>
                       <a:srgbClr val="000000"/>
                     </a:solidFill>
@@ -10811,7 +10811,7 @@
               </a:ln>
               <a:extLst>
                 <a:ext uri="{91240B29-F687-4f45-9708-019B960494DF}">
-                  <a14:hiddenLine xmlns:a14="http://schemas.microsoft.com/office/drawing/2010/main" xmlns="" w="9525">
+                  <a14:hiddenLine xmlns="" xmlns:a14="http://schemas.microsoft.com/office/drawing/2010/main" w="9525">
                     <a:solidFill>
                       <a:srgbClr val="000000"/>
                     </a:solidFill>
@@ -10901,7 +10901,7 @@
               </a:ln>
               <a:extLst>
                 <a:ext uri="{91240B29-F687-4f45-9708-019B960494DF}">
-                  <a14:hiddenLine xmlns:a14="http://schemas.microsoft.com/office/drawing/2010/main" xmlns="" w="9525">
+                  <a14:hiddenLine xmlns="" xmlns:a14="http://schemas.microsoft.com/office/drawing/2010/main" w="9525">
                     <a:solidFill>
                       <a:srgbClr val="000000"/>
                     </a:solidFill>
@@ -10966,7 +10966,7 @@
               </a:ln>
               <a:extLst>
                 <a:ext uri="{91240B29-F687-4f45-9708-019B960494DF}">
-                  <a14:hiddenLine xmlns:a14="http://schemas.microsoft.com/office/drawing/2010/main" xmlns="" w="9525">
+                  <a14:hiddenLine xmlns="" xmlns:a14="http://schemas.microsoft.com/office/drawing/2010/main" w="9525">
                     <a:solidFill>
                       <a:srgbClr val="000000"/>
                     </a:solidFill>
@@ -11086,7 +11086,7 @@
               </a:ln>
               <a:extLst>
                 <a:ext uri="{91240B29-F687-4f45-9708-019B960494DF}">
-                  <a14:hiddenLine xmlns:a14="http://schemas.microsoft.com/office/drawing/2010/main" xmlns="" w="9525">
+                  <a14:hiddenLine xmlns="" xmlns:a14="http://schemas.microsoft.com/office/drawing/2010/main" w="9525">
                     <a:solidFill>
                       <a:srgbClr val="000000"/>
                     </a:solidFill>
@@ -11184,7 +11184,7 @@
               </a:ln>
               <a:extLst>
                 <a:ext uri="{91240B29-F687-4f45-9708-019B960494DF}">
-                  <a14:hiddenLine xmlns:a14="http://schemas.microsoft.com/office/drawing/2010/main" xmlns="" w="9525">
+                  <a14:hiddenLine xmlns="" xmlns:a14="http://schemas.microsoft.com/office/drawing/2010/main" w="9525">
                     <a:solidFill>
                       <a:srgbClr val="000000"/>
                     </a:solidFill>
@@ -11299,7 +11299,7 @@
               </a:ln>
               <a:extLst>
                 <a:ext uri="{91240B29-F687-4f45-9708-019B960494DF}">
-                  <a14:hiddenLine xmlns:a14="http://schemas.microsoft.com/office/drawing/2010/main" xmlns="" w="9525">
+                  <a14:hiddenLine xmlns="" xmlns:a14="http://schemas.microsoft.com/office/drawing/2010/main" w="9525">
                     <a:solidFill>
                       <a:srgbClr val="000000"/>
                     </a:solidFill>
@@ -11389,7 +11389,7 @@
               </a:ln>
               <a:extLst>
                 <a:ext uri="{91240B29-F687-4f45-9708-019B960494DF}">
-                  <a14:hiddenLine xmlns:a14="http://schemas.microsoft.com/office/drawing/2010/main" xmlns="" w="9525">
+                  <a14:hiddenLine xmlns="" xmlns:a14="http://schemas.microsoft.com/office/drawing/2010/main" w="9525">
                     <a:solidFill>
                       <a:srgbClr val="000000"/>
                     </a:solidFill>
@@ -11454,7 +11454,7 @@
               </a:ln>
               <a:extLst>
                 <a:ext uri="{91240B29-F687-4f45-9708-019B960494DF}">
-                  <a14:hiddenLine xmlns:a14="http://schemas.microsoft.com/office/drawing/2010/main" xmlns="" w="9525">
+                  <a14:hiddenLine xmlns="" xmlns:a14="http://schemas.microsoft.com/office/drawing/2010/main" w="9525">
                     <a:solidFill>
                       <a:srgbClr val="000000"/>
                     </a:solidFill>
@@ -11544,7 +11544,7 @@
               </a:ln>
               <a:extLst>
                 <a:ext uri="{91240B29-F687-4f45-9708-019B960494DF}">
-                  <a14:hiddenLine xmlns:a14="http://schemas.microsoft.com/office/drawing/2010/main" xmlns="" w="9525">
+                  <a14:hiddenLine xmlns="" xmlns:a14="http://schemas.microsoft.com/office/drawing/2010/main" w="9525">
                     <a:solidFill>
                       <a:srgbClr val="000000"/>
                     </a:solidFill>
@@ -11612,7 +11612,7 @@
               </a:ln>
               <a:extLst>
                 <a:ext uri="{91240B29-F687-4f45-9708-019B960494DF}">
-                  <a14:hiddenLine xmlns:a14="http://schemas.microsoft.com/office/drawing/2010/main" xmlns="" w="9525">
+                  <a14:hiddenLine xmlns="" xmlns:a14="http://schemas.microsoft.com/office/drawing/2010/main" w="9525">
                     <a:solidFill>
                       <a:srgbClr val="000000"/>
                     </a:solidFill>
@@ -11702,7 +11702,7 @@
               </a:ln>
               <a:extLst>
                 <a:ext uri="{91240B29-F687-4f45-9708-019B960494DF}">
-                  <a14:hiddenLine xmlns:a14="http://schemas.microsoft.com/office/drawing/2010/main" xmlns="" w="9525">
+                  <a14:hiddenLine xmlns="" xmlns:a14="http://schemas.microsoft.com/office/drawing/2010/main" w="9525">
                     <a:solidFill>
                       <a:srgbClr val="000000"/>
                     </a:solidFill>
@@ -11770,7 +11770,7 @@
               </a:ln>
               <a:extLst>
                 <a:ext uri="{91240B29-F687-4f45-9708-019B960494DF}">
-                  <a14:hiddenLine xmlns:a14="http://schemas.microsoft.com/office/drawing/2010/main" xmlns="" w="9525">
+                  <a14:hiddenLine xmlns="" xmlns:a14="http://schemas.microsoft.com/office/drawing/2010/main" w="9525">
                     <a:solidFill>
                       <a:srgbClr val="000000"/>
                     </a:solidFill>
@@ -11860,7 +11860,7 @@
               </a:ln>
               <a:extLst>
                 <a:ext uri="{91240B29-F687-4f45-9708-019B960494DF}">
-                  <a14:hiddenLine xmlns:a14="http://schemas.microsoft.com/office/drawing/2010/main" xmlns="" w="9525">
+                  <a14:hiddenLine xmlns="" xmlns:a14="http://schemas.microsoft.com/office/drawing/2010/main" w="9525">
                     <a:solidFill>
                       <a:srgbClr val="000000"/>
                     </a:solidFill>
@@ -11894,7 +11894,7 @@
               </a:ln>
               <a:extLst>
                 <a:ext uri="{91240B29-F687-4f45-9708-019B960494DF}">
-                  <a14:hiddenLine xmlns:a14="http://schemas.microsoft.com/office/drawing/2010/main" xmlns="" w="9525">
+                  <a14:hiddenLine xmlns="" xmlns:a14="http://schemas.microsoft.com/office/drawing/2010/main" w="9525">
                     <a:solidFill>
                       <a:srgbClr val="000000"/>
                     </a:solidFill>
@@ -12553,8 +12553,13 @@
           <a:p>
             <a:r>
               <a:rPr lang="pt-PT" dirty="0"/>
-              <a:t>Ana Almeida</a:t>
+              <a:t>Ana Almeida </a:t>
             </a:r>
+            <a:r>
+              <a:rPr lang="pt-PT"/>
+              <a:t>- 35456</a:t>
+            </a:r>
+            <a:endParaRPr lang="pt-PT" dirty="0"/>
           </a:p>
           <a:p>
             <a:r>

--- a/Apresentacao.pptx
+++ b/Apresentacao.pptx
@@ -173,7 +173,7 @@
           <a:noFill/>
           <a:extLst>
             <a:ext uri="{909E8E84-426E-40dd-AFC4-6F175D3DCCD1}">
-              <a14:hiddenFill xmlns="" xmlns:a14="http://schemas.microsoft.com/office/drawing/2010/main">
+              <a14:hiddenFill xmlns:a14="http://schemas.microsoft.com/office/drawing/2010/main" xmlns="">
                 <a:solidFill>
                   <a:srgbClr val="FFFFFF"/>
                 </a:solidFill>
@@ -233,7 +233,7 @@
             </a:ln>
             <a:extLst>
               <a:ext uri="{91240B29-F687-4f45-9708-019B960494DF}">
-                <a14:hiddenLine xmlns="" xmlns:a14="http://schemas.microsoft.com/office/drawing/2010/main" w="9525">
+                <a14:hiddenLine xmlns:a14="http://schemas.microsoft.com/office/drawing/2010/main" xmlns="" w="9525">
                   <a:solidFill>
                     <a:srgbClr val="000000"/>
                   </a:solidFill>
@@ -323,7 +323,7 @@
             </a:ln>
             <a:extLst>
               <a:ext uri="{91240B29-F687-4f45-9708-019B960494DF}">
-                <a14:hiddenLine xmlns="" xmlns:a14="http://schemas.microsoft.com/office/drawing/2010/main" w="9525">
+                <a14:hiddenLine xmlns:a14="http://schemas.microsoft.com/office/drawing/2010/main" xmlns="" w="9525">
                   <a:solidFill>
                     <a:srgbClr val="000000"/>
                   </a:solidFill>
@@ -413,7 +413,7 @@
             </a:ln>
             <a:extLst>
               <a:ext uri="{91240B29-F687-4f45-9708-019B960494DF}">
-                <a14:hiddenLine xmlns="" xmlns:a14="http://schemas.microsoft.com/office/drawing/2010/main" w="9525">
+                <a14:hiddenLine xmlns:a14="http://schemas.microsoft.com/office/drawing/2010/main" xmlns="" w="9525">
                   <a:solidFill>
                     <a:srgbClr val="000000"/>
                   </a:solidFill>
@@ -447,7 +447,7 @@
             </a:ln>
             <a:extLst>
               <a:ext uri="{91240B29-F687-4f45-9708-019B960494DF}">
-                <a14:hiddenLine xmlns="" xmlns:a14="http://schemas.microsoft.com/office/drawing/2010/main" w="9525">
+                <a14:hiddenLine xmlns:a14="http://schemas.microsoft.com/office/drawing/2010/main" xmlns="" w="9525">
                   <a:solidFill>
                     <a:srgbClr val="000000"/>
                   </a:solidFill>
@@ -537,7 +537,7 @@
             </a:ln>
             <a:extLst>
               <a:ext uri="{91240B29-F687-4f45-9708-019B960494DF}">
-                <a14:hiddenLine xmlns="" xmlns:a14="http://schemas.microsoft.com/office/drawing/2010/main" w="9525">
+                <a14:hiddenLine xmlns:a14="http://schemas.microsoft.com/office/drawing/2010/main" xmlns="" w="9525">
                   <a:solidFill>
                     <a:srgbClr val="000000"/>
                   </a:solidFill>
@@ -599,7 +599,7 @@
             </a:ln>
             <a:extLst>
               <a:ext uri="{91240B29-F687-4f45-9708-019B960494DF}">
-                <a14:hiddenLine xmlns="" xmlns:a14="http://schemas.microsoft.com/office/drawing/2010/main" w="9525">
+                <a14:hiddenLine xmlns:a14="http://schemas.microsoft.com/office/drawing/2010/main" xmlns="" w="9525">
                   <a:solidFill>
                     <a:srgbClr val="000000"/>
                   </a:solidFill>
@@ -661,7 +661,7 @@
             </a:ln>
             <a:extLst>
               <a:ext uri="{91240B29-F687-4f45-9708-019B960494DF}">
-                <a14:hiddenLine xmlns="" xmlns:a14="http://schemas.microsoft.com/office/drawing/2010/main" w="9525">
+                <a14:hiddenLine xmlns:a14="http://schemas.microsoft.com/office/drawing/2010/main" xmlns="" w="9525">
                   <a:solidFill>
                     <a:srgbClr val="000000"/>
                   </a:solidFill>
@@ -751,7 +751,7 @@
             </a:ln>
             <a:extLst>
               <a:ext uri="{91240B29-F687-4f45-9708-019B960494DF}">
-                <a14:hiddenLine xmlns="" xmlns:a14="http://schemas.microsoft.com/office/drawing/2010/main" w="9525">
+                <a14:hiddenLine xmlns:a14="http://schemas.microsoft.com/office/drawing/2010/main" xmlns="" w="9525">
                   <a:solidFill>
                     <a:srgbClr val="000000"/>
                   </a:solidFill>
@@ -813,7 +813,7 @@
             </a:ln>
             <a:extLst>
               <a:ext uri="{91240B29-F687-4f45-9708-019B960494DF}">
-                <a14:hiddenLine xmlns="" xmlns:a14="http://schemas.microsoft.com/office/drawing/2010/main" w="9525">
+                <a14:hiddenLine xmlns:a14="http://schemas.microsoft.com/office/drawing/2010/main" xmlns="" w="9525">
                   <a:solidFill>
                     <a:srgbClr val="000000"/>
                   </a:solidFill>
@@ -875,7 +875,7 @@
             </a:ln>
             <a:extLst>
               <a:ext uri="{91240B29-F687-4f45-9708-019B960494DF}">
-                <a14:hiddenLine xmlns="" xmlns:a14="http://schemas.microsoft.com/office/drawing/2010/main" w="9525">
+                <a14:hiddenLine xmlns:a14="http://schemas.microsoft.com/office/drawing/2010/main" xmlns="" w="9525">
                   <a:solidFill>
                     <a:srgbClr val="000000"/>
                   </a:solidFill>
@@ -965,7 +965,7 @@
             </a:ln>
             <a:extLst>
               <a:ext uri="{91240B29-F687-4f45-9708-019B960494DF}">
-                <a14:hiddenLine xmlns="" xmlns:a14="http://schemas.microsoft.com/office/drawing/2010/main" w="9525">
+                <a14:hiddenLine xmlns:a14="http://schemas.microsoft.com/office/drawing/2010/main" xmlns="" w="9525">
                   <a:solidFill>
                     <a:srgbClr val="000000"/>
                   </a:solidFill>
@@ -1055,7 +1055,7 @@
             </a:ln>
             <a:extLst>
               <a:ext uri="{91240B29-F687-4f45-9708-019B960494DF}">
-                <a14:hiddenLine xmlns="" xmlns:a14="http://schemas.microsoft.com/office/drawing/2010/main" w="9525">
+                <a14:hiddenLine xmlns:a14="http://schemas.microsoft.com/office/drawing/2010/main" xmlns="" w="9525">
                   <a:solidFill>
                     <a:srgbClr val="000000"/>
                   </a:solidFill>
@@ -1117,7 +1117,7 @@
             </a:ln>
             <a:extLst>
               <a:ext uri="{91240B29-F687-4f45-9708-019B960494DF}">
-                <a14:hiddenLine xmlns="" xmlns:a14="http://schemas.microsoft.com/office/drawing/2010/main" w="9525">
+                <a14:hiddenLine xmlns:a14="http://schemas.microsoft.com/office/drawing/2010/main" xmlns="" w="9525">
                   <a:solidFill>
                     <a:srgbClr val="000000"/>
                   </a:solidFill>
@@ -1227,7 +1227,7 @@
             </a:ln>
             <a:extLst>
               <a:ext uri="{91240B29-F687-4f45-9708-019B960494DF}">
-                <a14:hiddenLine xmlns="" xmlns:a14="http://schemas.microsoft.com/office/drawing/2010/main" w="9525">
+                <a14:hiddenLine xmlns:a14="http://schemas.microsoft.com/office/drawing/2010/main" xmlns="" w="9525">
                   <a:solidFill>
                     <a:srgbClr val="000000"/>
                   </a:solidFill>
@@ -1289,7 +1289,7 @@
             </a:ln>
             <a:extLst>
               <a:ext uri="{91240B29-F687-4f45-9708-019B960494DF}">
-                <a14:hiddenLine xmlns="" xmlns:a14="http://schemas.microsoft.com/office/drawing/2010/main" w="9525">
+                <a14:hiddenLine xmlns:a14="http://schemas.microsoft.com/office/drawing/2010/main" xmlns="" w="9525">
                   <a:solidFill>
                     <a:srgbClr val="000000"/>
                   </a:solidFill>
@@ -1379,7 +1379,7 @@
             </a:ln>
             <a:extLst>
               <a:ext uri="{91240B29-F687-4f45-9708-019B960494DF}">
-                <a14:hiddenLine xmlns="" xmlns:a14="http://schemas.microsoft.com/office/drawing/2010/main" w="9525">
+                <a14:hiddenLine xmlns:a14="http://schemas.microsoft.com/office/drawing/2010/main" xmlns="" w="9525">
                   <a:solidFill>
                     <a:srgbClr val="000000"/>
                   </a:solidFill>
@@ -1469,7 +1469,7 @@
             </a:ln>
             <a:extLst>
               <a:ext uri="{91240B29-F687-4f45-9708-019B960494DF}">
-                <a14:hiddenLine xmlns="" xmlns:a14="http://schemas.microsoft.com/office/drawing/2010/main" w="9525">
+                <a14:hiddenLine xmlns:a14="http://schemas.microsoft.com/office/drawing/2010/main" xmlns="" w="9525">
                   <a:solidFill>
                     <a:srgbClr val="000000"/>
                   </a:solidFill>
@@ -1531,7 +1531,7 @@
             </a:ln>
             <a:extLst>
               <a:ext uri="{91240B29-F687-4f45-9708-019B960494DF}">
-                <a14:hiddenLine xmlns="" xmlns:a14="http://schemas.microsoft.com/office/drawing/2010/main" w="9525">
+                <a14:hiddenLine xmlns:a14="http://schemas.microsoft.com/office/drawing/2010/main" xmlns="" w="9525">
                   <a:solidFill>
                     <a:srgbClr val="000000"/>
                   </a:solidFill>
@@ -1621,7 +1621,7 @@
             </a:ln>
             <a:extLst>
               <a:ext uri="{91240B29-F687-4f45-9708-019B960494DF}">
-                <a14:hiddenLine xmlns="" xmlns:a14="http://schemas.microsoft.com/office/drawing/2010/main" w="9525">
+                <a14:hiddenLine xmlns:a14="http://schemas.microsoft.com/office/drawing/2010/main" xmlns="" w="9525">
                   <a:solidFill>
                     <a:srgbClr val="000000"/>
                   </a:solidFill>
@@ -1711,7 +1711,7 @@
             </a:ln>
             <a:extLst>
               <a:ext uri="{91240B29-F687-4f45-9708-019B960494DF}">
-                <a14:hiddenLine xmlns="" xmlns:a14="http://schemas.microsoft.com/office/drawing/2010/main" w="9525">
+                <a14:hiddenLine xmlns:a14="http://schemas.microsoft.com/office/drawing/2010/main" xmlns="" w="9525">
                   <a:solidFill>
                     <a:srgbClr val="000000"/>
                   </a:solidFill>
@@ -1767,7 +1767,7 @@
             </a:ln>
             <a:extLst>
               <a:ext uri="{91240B29-F687-4f45-9708-019B960494DF}">
-                <a14:hiddenLine xmlns="" xmlns:a14="http://schemas.microsoft.com/office/drawing/2010/main" w="9525">
+                <a14:hiddenLine xmlns:a14="http://schemas.microsoft.com/office/drawing/2010/main" xmlns="" w="9525">
                   <a:solidFill>
                     <a:srgbClr val="000000"/>
                   </a:solidFill>
@@ -1857,7 +1857,7 @@
             </a:ln>
             <a:extLst>
               <a:ext uri="{91240B29-F687-4f45-9708-019B960494DF}">
-                <a14:hiddenLine xmlns="" xmlns:a14="http://schemas.microsoft.com/office/drawing/2010/main" w="9525">
+                <a14:hiddenLine xmlns:a14="http://schemas.microsoft.com/office/drawing/2010/main" xmlns="" w="9525">
                   <a:solidFill>
                     <a:srgbClr val="000000"/>
                   </a:solidFill>
@@ -1913,7 +1913,7 @@
             </a:ln>
             <a:extLst>
               <a:ext uri="{91240B29-F687-4f45-9708-019B960494DF}">
-                <a14:hiddenLine xmlns="" xmlns:a14="http://schemas.microsoft.com/office/drawing/2010/main" w="9525">
+                <a14:hiddenLine xmlns:a14="http://schemas.microsoft.com/office/drawing/2010/main" xmlns="" w="9525">
                   <a:solidFill>
                     <a:srgbClr val="000000"/>
                   </a:solidFill>
@@ -2003,7 +2003,7 @@
             </a:ln>
             <a:extLst>
               <a:ext uri="{91240B29-F687-4f45-9708-019B960494DF}">
-                <a14:hiddenLine xmlns="" xmlns:a14="http://schemas.microsoft.com/office/drawing/2010/main" w="9525">
+                <a14:hiddenLine xmlns:a14="http://schemas.microsoft.com/office/drawing/2010/main" xmlns="" w="9525">
                   <a:solidFill>
                     <a:srgbClr val="000000"/>
                   </a:solidFill>
@@ -2071,7 +2071,7 @@
             </a:ln>
             <a:extLst>
               <a:ext uri="{91240B29-F687-4f45-9708-019B960494DF}">
-                <a14:hiddenLine xmlns="" xmlns:a14="http://schemas.microsoft.com/office/drawing/2010/main" w="9525">
+                <a14:hiddenLine xmlns:a14="http://schemas.microsoft.com/office/drawing/2010/main" xmlns="" w="9525">
                   <a:solidFill>
                     <a:srgbClr val="000000"/>
                   </a:solidFill>
@@ -2161,7 +2161,7 @@
             </a:ln>
             <a:extLst>
               <a:ext uri="{91240B29-F687-4f45-9708-019B960494DF}">
-                <a14:hiddenLine xmlns="" xmlns:a14="http://schemas.microsoft.com/office/drawing/2010/main" w="9525">
+                <a14:hiddenLine xmlns:a14="http://schemas.microsoft.com/office/drawing/2010/main" xmlns="" w="9525">
                   <a:solidFill>
                     <a:srgbClr val="000000"/>
                   </a:solidFill>
@@ -2229,7 +2229,7 @@
             </a:ln>
             <a:extLst>
               <a:ext uri="{91240B29-F687-4f45-9708-019B960494DF}">
-                <a14:hiddenLine xmlns="" xmlns:a14="http://schemas.microsoft.com/office/drawing/2010/main" w="9525">
+                <a14:hiddenLine xmlns:a14="http://schemas.microsoft.com/office/drawing/2010/main" xmlns="" w="9525">
                   <a:solidFill>
                     <a:srgbClr val="000000"/>
                   </a:solidFill>
@@ -2319,7 +2319,7 @@
             </a:ln>
             <a:extLst>
               <a:ext uri="{91240B29-F687-4f45-9708-019B960494DF}">
-                <a14:hiddenLine xmlns="" xmlns:a14="http://schemas.microsoft.com/office/drawing/2010/main" w="9525">
+                <a14:hiddenLine xmlns:a14="http://schemas.microsoft.com/office/drawing/2010/main" xmlns="" w="9525">
                   <a:solidFill>
                     <a:srgbClr val="000000"/>
                   </a:solidFill>
@@ -2353,7 +2353,7 @@
             </a:ln>
             <a:extLst>
               <a:ext uri="{91240B29-F687-4f45-9708-019B960494DF}">
-                <a14:hiddenLine xmlns="" xmlns:a14="http://schemas.microsoft.com/office/drawing/2010/main" w="9525">
+                <a14:hiddenLine xmlns:a14="http://schemas.microsoft.com/office/drawing/2010/main" xmlns="" w="9525">
                   <a:solidFill>
                     <a:srgbClr val="000000"/>
                   </a:solidFill>
@@ -2443,7 +2443,7 @@
             </a:ln>
             <a:extLst>
               <a:ext uri="{91240B29-F687-4f45-9708-019B960494DF}">
-                <a14:hiddenLine xmlns="" xmlns:a14="http://schemas.microsoft.com/office/drawing/2010/main" w="9525">
+                <a14:hiddenLine xmlns:a14="http://schemas.microsoft.com/office/drawing/2010/main" xmlns="" w="9525">
                   <a:solidFill>
                     <a:srgbClr val="000000"/>
                   </a:solidFill>
@@ -2505,7 +2505,7 @@
             </a:ln>
             <a:extLst>
               <a:ext uri="{91240B29-F687-4f45-9708-019B960494DF}">
-                <a14:hiddenLine xmlns="" xmlns:a14="http://schemas.microsoft.com/office/drawing/2010/main" w="9525">
+                <a14:hiddenLine xmlns:a14="http://schemas.microsoft.com/office/drawing/2010/main" xmlns="" w="9525">
                   <a:solidFill>
                     <a:srgbClr val="000000"/>
                   </a:solidFill>
@@ -2567,7 +2567,7 @@
             </a:ln>
             <a:extLst>
               <a:ext uri="{91240B29-F687-4f45-9708-019B960494DF}">
-                <a14:hiddenLine xmlns="" xmlns:a14="http://schemas.microsoft.com/office/drawing/2010/main" w="9525">
+                <a14:hiddenLine xmlns:a14="http://schemas.microsoft.com/office/drawing/2010/main" xmlns="" w="9525">
                   <a:solidFill>
                     <a:srgbClr val="000000"/>
                   </a:solidFill>
@@ -2657,7 +2657,7 @@
             </a:ln>
             <a:extLst>
               <a:ext uri="{91240B29-F687-4f45-9708-019B960494DF}">
-                <a14:hiddenLine xmlns="" xmlns:a14="http://schemas.microsoft.com/office/drawing/2010/main" w="9525">
+                <a14:hiddenLine xmlns:a14="http://schemas.microsoft.com/office/drawing/2010/main" xmlns="" w="9525">
                   <a:solidFill>
                     <a:srgbClr val="000000"/>
                   </a:solidFill>
@@ -2725,7 +2725,7 @@
             </a:ln>
             <a:extLst>
               <a:ext uri="{91240B29-F687-4f45-9708-019B960494DF}">
-                <a14:hiddenLine xmlns="" xmlns:a14="http://schemas.microsoft.com/office/drawing/2010/main" w="9525">
+                <a14:hiddenLine xmlns:a14="http://schemas.microsoft.com/office/drawing/2010/main" xmlns="" w="9525">
                   <a:solidFill>
                     <a:srgbClr val="000000"/>
                   </a:solidFill>
@@ -2787,7 +2787,7 @@
             </a:ln>
             <a:extLst>
               <a:ext uri="{91240B29-F687-4f45-9708-019B960494DF}">
-                <a14:hiddenLine xmlns="" xmlns:a14="http://schemas.microsoft.com/office/drawing/2010/main" w="9525">
+                <a14:hiddenLine xmlns:a14="http://schemas.microsoft.com/office/drawing/2010/main" xmlns="" w="9525">
                   <a:solidFill>
                     <a:srgbClr val="000000"/>
                   </a:solidFill>
@@ -2877,7 +2877,7 @@
             </a:ln>
             <a:extLst>
               <a:ext uri="{91240B29-F687-4f45-9708-019B960494DF}">
-                <a14:hiddenLine xmlns="" xmlns:a14="http://schemas.microsoft.com/office/drawing/2010/main" w="9525">
+                <a14:hiddenLine xmlns:a14="http://schemas.microsoft.com/office/drawing/2010/main" xmlns="" w="9525">
                   <a:solidFill>
                     <a:srgbClr val="000000"/>
                   </a:solidFill>
@@ -2939,7 +2939,7 @@
             </a:ln>
             <a:extLst>
               <a:ext uri="{91240B29-F687-4f45-9708-019B960494DF}">
-                <a14:hiddenLine xmlns="" xmlns:a14="http://schemas.microsoft.com/office/drawing/2010/main" w="9525">
+                <a14:hiddenLine xmlns:a14="http://schemas.microsoft.com/office/drawing/2010/main" xmlns="" w="9525">
                   <a:solidFill>
                     <a:srgbClr val="000000"/>
                   </a:solidFill>
@@ -3029,7 +3029,7 @@
             </a:ln>
             <a:extLst>
               <a:ext uri="{91240B29-F687-4f45-9708-019B960494DF}">
-                <a14:hiddenLine xmlns="" xmlns:a14="http://schemas.microsoft.com/office/drawing/2010/main" w="9525">
+                <a14:hiddenLine xmlns:a14="http://schemas.microsoft.com/office/drawing/2010/main" xmlns="" w="9525">
                   <a:solidFill>
                     <a:srgbClr val="000000"/>
                   </a:solidFill>
@@ -3091,7 +3091,7 @@
             </a:ln>
             <a:extLst>
               <a:ext uri="{91240B29-F687-4f45-9708-019B960494DF}">
-                <a14:hiddenLine xmlns="" xmlns:a14="http://schemas.microsoft.com/office/drawing/2010/main" w="9525">
+                <a14:hiddenLine xmlns:a14="http://schemas.microsoft.com/office/drawing/2010/main" xmlns="" w="9525">
                   <a:solidFill>
                     <a:srgbClr val="000000"/>
                   </a:solidFill>
@@ -3181,7 +3181,7 @@
             </a:ln>
             <a:extLst>
               <a:ext uri="{91240B29-F687-4f45-9708-019B960494DF}">
-                <a14:hiddenLine xmlns="" xmlns:a14="http://schemas.microsoft.com/office/drawing/2010/main" w="9525">
+                <a14:hiddenLine xmlns:a14="http://schemas.microsoft.com/office/drawing/2010/main" xmlns="" w="9525">
                   <a:solidFill>
                     <a:srgbClr val="000000"/>
                   </a:solidFill>
@@ -3215,7 +3215,7 @@
             </a:ln>
             <a:extLst>
               <a:ext uri="{91240B29-F687-4f45-9708-019B960494DF}">
-                <a14:hiddenLine xmlns="" xmlns:a14="http://schemas.microsoft.com/office/drawing/2010/main" w="9525">
+                <a14:hiddenLine xmlns:a14="http://schemas.microsoft.com/office/drawing/2010/main" xmlns="" w="9525">
                   <a:solidFill>
                     <a:srgbClr val="000000"/>
                   </a:solidFill>
@@ -3280,7 +3280,7 @@
             </a:ln>
             <a:extLst>
               <a:ext uri="{91240B29-F687-4f45-9708-019B960494DF}">
-                <a14:hiddenLine xmlns="" xmlns:a14="http://schemas.microsoft.com/office/drawing/2010/main" w="9525">
+                <a14:hiddenLine xmlns:a14="http://schemas.microsoft.com/office/drawing/2010/main" xmlns="" w="9525">
                   <a:solidFill>
                     <a:srgbClr val="000000"/>
                   </a:solidFill>
@@ -3370,7 +3370,7 @@
             </a:ln>
             <a:extLst>
               <a:ext uri="{91240B29-F687-4f45-9708-019B960494DF}">
-                <a14:hiddenLine xmlns="" xmlns:a14="http://schemas.microsoft.com/office/drawing/2010/main" w="9525">
+                <a14:hiddenLine xmlns:a14="http://schemas.microsoft.com/office/drawing/2010/main" xmlns="" w="9525">
                   <a:solidFill>
                     <a:srgbClr val="000000"/>
                   </a:solidFill>
@@ -3432,7 +3432,7 @@
             </a:ln>
             <a:extLst>
               <a:ext uri="{91240B29-F687-4f45-9708-019B960494DF}">
-                <a14:hiddenLine xmlns="" xmlns:a14="http://schemas.microsoft.com/office/drawing/2010/main" w="9525">
+                <a14:hiddenLine xmlns:a14="http://schemas.microsoft.com/office/drawing/2010/main" xmlns="" w="9525">
                   <a:solidFill>
                     <a:srgbClr val="000000"/>
                   </a:solidFill>
@@ -3522,7 +3522,7 @@
             </a:ln>
             <a:extLst>
               <a:ext uri="{91240B29-F687-4f45-9708-019B960494DF}">
-                <a14:hiddenLine xmlns="" xmlns:a14="http://schemas.microsoft.com/office/drawing/2010/main" w="9525">
+                <a14:hiddenLine xmlns:a14="http://schemas.microsoft.com/office/drawing/2010/main" xmlns="" w="9525">
                   <a:solidFill>
                     <a:srgbClr val="000000"/>
                   </a:solidFill>
@@ -3612,7 +3612,7 @@
             </a:ln>
             <a:extLst>
               <a:ext uri="{91240B29-F687-4f45-9708-019B960494DF}">
-                <a14:hiddenLine xmlns="" xmlns:a14="http://schemas.microsoft.com/office/drawing/2010/main" w="9525">
+                <a14:hiddenLine xmlns:a14="http://schemas.microsoft.com/office/drawing/2010/main" xmlns="" w="9525">
                   <a:solidFill>
                     <a:srgbClr val="000000"/>
                   </a:solidFill>
@@ -3677,7 +3677,7 @@
             </a:ln>
             <a:extLst>
               <a:ext uri="{91240B29-F687-4f45-9708-019B960494DF}">
-                <a14:hiddenLine xmlns="" xmlns:a14="http://schemas.microsoft.com/office/drawing/2010/main" w="9525">
+                <a14:hiddenLine xmlns:a14="http://schemas.microsoft.com/office/drawing/2010/main" xmlns="" w="9525">
                   <a:solidFill>
                     <a:srgbClr val="000000"/>
                   </a:solidFill>
@@ -3739,7 +3739,7 @@
             </a:ln>
             <a:extLst>
               <a:ext uri="{91240B29-F687-4f45-9708-019B960494DF}">
-                <a14:hiddenLine xmlns="" xmlns:a14="http://schemas.microsoft.com/office/drawing/2010/main" w="9525">
+                <a14:hiddenLine xmlns:a14="http://schemas.microsoft.com/office/drawing/2010/main" xmlns="" w="9525">
                   <a:solidFill>
                     <a:srgbClr val="000000"/>
                   </a:solidFill>
@@ -3829,7 +3829,7 @@
             </a:ln>
             <a:extLst>
               <a:ext uri="{91240B29-F687-4f45-9708-019B960494DF}">
-                <a14:hiddenLine xmlns="" xmlns:a14="http://schemas.microsoft.com/office/drawing/2010/main" w="9525">
+                <a14:hiddenLine xmlns:a14="http://schemas.microsoft.com/office/drawing/2010/main" xmlns="" w="9525">
                   <a:solidFill>
                     <a:srgbClr val="000000"/>
                   </a:solidFill>
@@ -3919,7 +3919,7 @@
             </a:ln>
             <a:extLst>
               <a:ext uri="{91240B29-F687-4f45-9708-019B960494DF}">
-                <a14:hiddenLine xmlns="" xmlns:a14="http://schemas.microsoft.com/office/drawing/2010/main" w="9525">
+                <a14:hiddenLine xmlns:a14="http://schemas.microsoft.com/office/drawing/2010/main" xmlns="" w="9525">
                   <a:solidFill>
                     <a:srgbClr val="000000"/>
                   </a:solidFill>
@@ -3981,7 +3981,7 @@
             </a:ln>
             <a:extLst>
               <a:ext uri="{91240B29-F687-4f45-9708-019B960494DF}">
-                <a14:hiddenLine xmlns="" xmlns:a14="http://schemas.microsoft.com/office/drawing/2010/main" w="9525">
+                <a14:hiddenLine xmlns:a14="http://schemas.microsoft.com/office/drawing/2010/main" xmlns="" w="9525">
                   <a:solidFill>
                     <a:srgbClr val="000000"/>
                   </a:solidFill>
@@ -4101,7 +4101,7 @@
             </a:ln>
             <a:extLst>
               <a:ext uri="{91240B29-F687-4f45-9708-019B960494DF}">
-                <a14:hiddenLine xmlns="" xmlns:a14="http://schemas.microsoft.com/office/drawing/2010/main" w="9525">
+                <a14:hiddenLine xmlns:a14="http://schemas.microsoft.com/office/drawing/2010/main" xmlns="" w="9525">
                   <a:solidFill>
                     <a:srgbClr val="000000"/>
                   </a:solidFill>
@@ -4169,7 +4169,7 @@
             </a:ln>
             <a:extLst>
               <a:ext uri="{91240B29-F687-4f45-9708-019B960494DF}">
-                <a14:hiddenLine xmlns="" xmlns:a14="http://schemas.microsoft.com/office/drawing/2010/main" w="9525">
+                <a14:hiddenLine xmlns:a14="http://schemas.microsoft.com/office/drawing/2010/main" xmlns="" w="9525">
                   <a:solidFill>
                     <a:srgbClr val="000000"/>
                   </a:solidFill>
@@ -4259,7 +4259,7 @@
             </a:ln>
             <a:extLst>
               <a:ext uri="{91240B29-F687-4f45-9708-019B960494DF}">
-                <a14:hiddenLine xmlns="" xmlns:a14="http://schemas.microsoft.com/office/drawing/2010/main" w="9525">
+                <a14:hiddenLine xmlns:a14="http://schemas.microsoft.com/office/drawing/2010/main" xmlns="" w="9525">
                   <a:solidFill>
                     <a:srgbClr val="000000"/>
                   </a:solidFill>
@@ -4399,7 +4399,7 @@
           <a:p>
             <a:fld id="{A9E66B82-FD87-44C4-AFB6-D7AA7C09D1B4}" type="datetimeFigureOut">
               <a:rPr lang="pt-PT" smtClean="0"/>
-              <a:t>30/05/2022</a:t>
+              <a:t>31/05/2022</a:t>
             </a:fld>
             <a:endParaRPr lang="pt-PT"/>
           </a:p>
@@ -4666,7 +4666,7 @@
           <a:p>
             <a:fld id="{A9E66B82-FD87-44C4-AFB6-D7AA7C09D1B4}" type="datetimeFigureOut">
               <a:rPr lang="pt-PT" smtClean="0"/>
-              <a:t>30/05/2022</a:t>
+              <a:t>31/05/2022</a:t>
             </a:fld>
             <a:endParaRPr lang="pt-PT"/>
           </a:p>
@@ -4862,7 +4862,7 @@
           <a:p>
             <a:fld id="{A9E66B82-FD87-44C4-AFB6-D7AA7C09D1B4}" type="datetimeFigureOut">
               <a:rPr lang="pt-PT" smtClean="0"/>
-              <a:t>30/05/2022</a:t>
+              <a:t>31/05/2022</a:t>
             </a:fld>
             <a:endParaRPr lang="pt-PT"/>
           </a:p>
@@ -5125,7 +5125,7 @@
           <a:p>
             <a:fld id="{A9E66B82-FD87-44C4-AFB6-D7AA7C09D1B4}" type="datetimeFigureOut">
               <a:rPr lang="pt-PT" smtClean="0"/>
-              <a:t>30/05/2022</a:t>
+              <a:t>31/05/2022</a:t>
             </a:fld>
             <a:endParaRPr lang="pt-PT"/>
           </a:p>
@@ -5559,7 +5559,7 @@
           <a:p>
             <a:fld id="{A9E66B82-FD87-44C4-AFB6-D7AA7C09D1B4}" type="datetimeFigureOut">
               <a:rPr lang="pt-PT" smtClean="0"/>
-              <a:t>30/05/2022</a:t>
+              <a:t>31/05/2022</a:t>
             </a:fld>
             <a:endParaRPr lang="pt-PT"/>
           </a:p>
@@ -6105,7 +6105,7 @@
           <a:p>
             <a:fld id="{A9E66B82-FD87-44C4-AFB6-D7AA7C09D1B4}" type="datetimeFigureOut">
               <a:rPr lang="pt-PT" smtClean="0"/>
-              <a:t>30/05/2022</a:t>
+              <a:t>31/05/2022</a:t>
             </a:fld>
             <a:endParaRPr lang="pt-PT"/>
           </a:p>
@@ -6825,7 +6825,7 @@
           <a:p>
             <a:fld id="{A9E66B82-FD87-44C4-AFB6-D7AA7C09D1B4}" type="datetimeFigureOut">
               <a:rPr lang="pt-PT" smtClean="0"/>
-              <a:t>30/05/2022</a:t>
+              <a:t>31/05/2022</a:t>
             </a:fld>
             <a:endParaRPr lang="pt-PT"/>
           </a:p>
@@ -6995,7 +6995,7 @@
           <a:p>
             <a:fld id="{A9E66B82-FD87-44C4-AFB6-D7AA7C09D1B4}" type="datetimeFigureOut">
               <a:rPr lang="pt-PT" smtClean="0"/>
-              <a:t>30/05/2022</a:t>
+              <a:t>31/05/2022</a:t>
             </a:fld>
             <a:endParaRPr lang="pt-PT"/>
           </a:p>
@@ -7175,7 +7175,7 @@
           <a:p>
             <a:fld id="{A9E66B82-FD87-44C4-AFB6-D7AA7C09D1B4}" type="datetimeFigureOut">
               <a:rPr lang="pt-PT" smtClean="0"/>
-              <a:t>30/05/2022</a:t>
+              <a:t>31/05/2022</a:t>
             </a:fld>
             <a:endParaRPr lang="pt-PT"/>
           </a:p>
@@ -7345,7 +7345,7 @@
           <a:p>
             <a:fld id="{A9E66B82-FD87-44C4-AFB6-D7AA7C09D1B4}" type="datetimeFigureOut">
               <a:rPr lang="pt-PT" smtClean="0"/>
-              <a:t>30/05/2022</a:t>
+              <a:t>31/05/2022</a:t>
             </a:fld>
             <a:endParaRPr lang="pt-PT"/>
           </a:p>
@@ -7595,7 +7595,7 @@
           <a:p>
             <a:fld id="{A9E66B82-FD87-44C4-AFB6-D7AA7C09D1B4}" type="datetimeFigureOut">
               <a:rPr lang="pt-PT" smtClean="0"/>
-              <a:t>30/05/2022</a:t>
+              <a:t>31/05/2022</a:t>
             </a:fld>
             <a:endParaRPr lang="pt-PT"/>
           </a:p>
@@ -7827,7 +7827,7 @@
           <a:p>
             <a:fld id="{A9E66B82-FD87-44C4-AFB6-D7AA7C09D1B4}" type="datetimeFigureOut">
               <a:rPr lang="pt-PT" smtClean="0"/>
-              <a:t>30/05/2022</a:t>
+              <a:t>31/05/2022</a:t>
             </a:fld>
             <a:endParaRPr lang="pt-PT"/>
           </a:p>
@@ -8208,7 +8208,7 @@
           <a:p>
             <a:fld id="{A9E66B82-FD87-44C4-AFB6-D7AA7C09D1B4}" type="datetimeFigureOut">
               <a:rPr lang="pt-PT" smtClean="0"/>
-              <a:t>30/05/2022</a:t>
+              <a:t>31/05/2022</a:t>
             </a:fld>
             <a:endParaRPr lang="pt-PT"/>
           </a:p>
@@ -8326,7 +8326,7 @@
           <a:p>
             <a:fld id="{A9E66B82-FD87-44C4-AFB6-D7AA7C09D1B4}" type="datetimeFigureOut">
               <a:rPr lang="pt-PT" smtClean="0"/>
-              <a:t>30/05/2022</a:t>
+              <a:t>31/05/2022</a:t>
             </a:fld>
             <a:endParaRPr lang="pt-PT"/>
           </a:p>
@@ -8421,7 +8421,7 @@
           <a:p>
             <a:fld id="{A9E66B82-FD87-44C4-AFB6-D7AA7C09D1B4}" type="datetimeFigureOut">
               <a:rPr lang="pt-PT" smtClean="0"/>
-              <a:t>30/05/2022</a:t>
+              <a:t>31/05/2022</a:t>
             </a:fld>
             <a:endParaRPr lang="pt-PT"/>
           </a:p>
@@ -8670,7 +8670,7 @@
           <a:p>
             <a:fld id="{A9E66B82-FD87-44C4-AFB6-D7AA7C09D1B4}" type="datetimeFigureOut">
               <a:rPr lang="pt-PT" smtClean="0"/>
-              <a:t>30/05/2022</a:t>
+              <a:t>31/05/2022</a:t>
             </a:fld>
             <a:endParaRPr lang="pt-PT"/>
           </a:p>
@@ -8950,7 +8950,7 @@
           <a:p>
             <a:fld id="{A9E66B82-FD87-44C4-AFB6-D7AA7C09D1B4}" type="datetimeFigureOut">
               <a:rPr lang="pt-PT" smtClean="0"/>
-              <a:t>30/05/2022</a:t>
+              <a:t>31/05/2022</a:t>
             </a:fld>
             <a:endParaRPr lang="pt-PT"/>
           </a:p>
@@ -9073,7 +9073,7 @@
           <a:noFill/>
           <a:extLst>
             <a:ext uri="{909E8E84-426E-40dd-AFC4-6F175D3DCCD1}">
-              <a14:hiddenFill xmlns="" xmlns:a14="http://schemas.microsoft.com/office/drawing/2010/main">
+              <a14:hiddenFill xmlns:a14="http://schemas.microsoft.com/office/drawing/2010/main" xmlns="">
                 <a:solidFill>
                   <a:srgbClr val="FFFFFF"/>
                 </a:solidFill>
@@ -9147,7 +9147,7 @@
               </a:ln>
               <a:extLst>
                 <a:ext uri="{91240B29-F687-4f45-9708-019B960494DF}">
-                  <a14:hiddenLine xmlns="" xmlns:a14="http://schemas.microsoft.com/office/drawing/2010/main" w="9525">
+                  <a14:hiddenLine xmlns:a14="http://schemas.microsoft.com/office/drawing/2010/main" xmlns="" w="9525">
                     <a:solidFill>
                       <a:srgbClr val="000000"/>
                     </a:solidFill>
@@ -9237,7 +9237,7 @@
               </a:ln>
               <a:extLst>
                 <a:ext uri="{91240B29-F687-4f45-9708-019B960494DF}">
-                  <a14:hiddenLine xmlns="" xmlns:a14="http://schemas.microsoft.com/office/drawing/2010/main" w="9525">
+                  <a14:hiddenLine xmlns:a14="http://schemas.microsoft.com/office/drawing/2010/main" xmlns="" w="9525">
                     <a:solidFill>
                       <a:srgbClr val="000000"/>
                     </a:solidFill>
@@ -9327,7 +9327,7 @@
               </a:ln>
               <a:extLst>
                 <a:ext uri="{91240B29-F687-4f45-9708-019B960494DF}">
-                  <a14:hiddenLine xmlns="" xmlns:a14="http://schemas.microsoft.com/office/drawing/2010/main" w="9525">
+                  <a14:hiddenLine xmlns:a14="http://schemas.microsoft.com/office/drawing/2010/main" xmlns="" w="9525">
                     <a:solidFill>
                       <a:srgbClr val="000000"/>
                     </a:solidFill>
@@ -9389,7 +9389,7 @@
               </a:ln>
               <a:extLst>
                 <a:ext uri="{91240B29-F687-4f45-9708-019B960494DF}">
-                  <a14:hiddenLine xmlns="" xmlns:a14="http://schemas.microsoft.com/office/drawing/2010/main" w="9525">
+                  <a14:hiddenLine xmlns:a14="http://schemas.microsoft.com/office/drawing/2010/main" xmlns="" w="9525">
                     <a:solidFill>
                       <a:srgbClr val="000000"/>
                     </a:solidFill>
@@ -9479,7 +9479,7 @@
               </a:ln>
               <a:extLst>
                 <a:ext uri="{91240B29-F687-4f45-9708-019B960494DF}">
-                  <a14:hiddenLine xmlns="" xmlns:a14="http://schemas.microsoft.com/office/drawing/2010/main" w="9525">
+                  <a14:hiddenLine xmlns:a14="http://schemas.microsoft.com/office/drawing/2010/main" xmlns="" w="9525">
                     <a:solidFill>
                       <a:srgbClr val="000000"/>
                     </a:solidFill>
@@ -9541,7 +9541,7 @@
               </a:ln>
               <a:extLst>
                 <a:ext uri="{91240B29-F687-4f45-9708-019B960494DF}">
-                  <a14:hiddenLine xmlns="" xmlns:a14="http://schemas.microsoft.com/office/drawing/2010/main" w="9525">
+                  <a14:hiddenLine xmlns:a14="http://schemas.microsoft.com/office/drawing/2010/main" xmlns="" w="9525">
                     <a:solidFill>
                       <a:srgbClr val="000000"/>
                     </a:solidFill>
@@ -9603,7 +9603,7 @@
               </a:ln>
               <a:extLst>
                 <a:ext uri="{91240B29-F687-4f45-9708-019B960494DF}">
-                  <a14:hiddenLine xmlns="" xmlns:a14="http://schemas.microsoft.com/office/drawing/2010/main" w="9525">
+                  <a14:hiddenLine xmlns:a14="http://schemas.microsoft.com/office/drawing/2010/main" xmlns="" w="9525">
                     <a:solidFill>
                       <a:srgbClr val="000000"/>
                     </a:solidFill>
@@ -9693,7 +9693,7 @@
               </a:ln>
               <a:extLst>
                 <a:ext uri="{91240B29-F687-4f45-9708-019B960494DF}">
-                  <a14:hiddenLine xmlns="" xmlns:a14="http://schemas.microsoft.com/office/drawing/2010/main" w="9525">
+                  <a14:hiddenLine xmlns:a14="http://schemas.microsoft.com/office/drawing/2010/main" xmlns="" w="9525">
                     <a:solidFill>
                       <a:srgbClr val="000000"/>
                     </a:solidFill>
@@ -9783,7 +9783,7 @@
               </a:ln>
               <a:extLst>
                 <a:ext uri="{91240B29-F687-4f45-9708-019B960494DF}">
-                  <a14:hiddenLine xmlns="" xmlns:a14="http://schemas.microsoft.com/office/drawing/2010/main" w="9525">
+                  <a14:hiddenLine xmlns:a14="http://schemas.microsoft.com/office/drawing/2010/main" xmlns="" w="9525">
                     <a:solidFill>
                       <a:srgbClr val="000000"/>
                     </a:solidFill>
@@ -9845,7 +9845,7 @@
               </a:ln>
               <a:extLst>
                 <a:ext uri="{91240B29-F687-4f45-9708-019B960494DF}">
-                  <a14:hiddenLine xmlns="" xmlns:a14="http://schemas.microsoft.com/office/drawing/2010/main" w="9525">
+                  <a14:hiddenLine xmlns:a14="http://schemas.microsoft.com/office/drawing/2010/main" xmlns="" w="9525">
                     <a:solidFill>
                       <a:srgbClr val="000000"/>
                     </a:solidFill>
@@ -9955,7 +9955,7 @@
               </a:ln>
               <a:extLst>
                 <a:ext uri="{91240B29-F687-4f45-9708-019B960494DF}">
-                  <a14:hiddenLine xmlns="" xmlns:a14="http://schemas.microsoft.com/office/drawing/2010/main" w="9525">
+                  <a14:hiddenLine xmlns:a14="http://schemas.microsoft.com/office/drawing/2010/main" xmlns="" w="9525">
                     <a:solidFill>
                       <a:srgbClr val="000000"/>
                     </a:solidFill>
@@ -10039,7 +10039,7 @@
               </a:ln>
               <a:extLst>
                 <a:ext uri="{91240B29-F687-4f45-9708-019B960494DF}">
-                  <a14:hiddenLine xmlns="" xmlns:a14="http://schemas.microsoft.com/office/drawing/2010/main" w="9525">
+                  <a14:hiddenLine xmlns:a14="http://schemas.microsoft.com/office/drawing/2010/main" xmlns="" w="9525">
                     <a:solidFill>
                       <a:srgbClr val="000000"/>
                     </a:solidFill>
@@ -10101,7 +10101,7 @@
               </a:ln>
               <a:extLst>
                 <a:ext uri="{91240B29-F687-4f45-9708-019B960494DF}">
-                  <a14:hiddenLine xmlns="" xmlns:a14="http://schemas.microsoft.com/office/drawing/2010/main" w="9525">
+                  <a14:hiddenLine xmlns:a14="http://schemas.microsoft.com/office/drawing/2010/main" xmlns="" w="9525">
                     <a:solidFill>
                       <a:srgbClr val="000000"/>
                     </a:solidFill>
@@ -10163,7 +10163,7 @@
               </a:ln>
               <a:extLst>
                 <a:ext uri="{91240B29-F687-4f45-9708-019B960494DF}">
-                  <a14:hiddenLine xmlns="" xmlns:a14="http://schemas.microsoft.com/office/drawing/2010/main" w="9525">
+                  <a14:hiddenLine xmlns:a14="http://schemas.microsoft.com/office/drawing/2010/main" xmlns="" w="9525">
                     <a:solidFill>
                       <a:srgbClr val="000000"/>
                     </a:solidFill>
@@ -10253,7 +10253,7 @@
               </a:ln>
               <a:extLst>
                 <a:ext uri="{91240B29-F687-4f45-9708-019B960494DF}">
-                  <a14:hiddenLine xmlns="" xmlns:a14="http://schemas.microsoft.com/office/drawing/2010/main" w="9525">
+                  <a14:hiddenLine xmlns:a14="http://schemas.microsoft.com/office/drawing/2010/main" xmlns="" w="9525">
                     <a:solidFill>
                       <a:srgbClr val="000000"/>
                     </a:solidFill>
@@ -10287,7 +10287,7 @@
               </a:ln>
               <a:extLst>
                 <a:ext uri="{91240B29-F687-4f45-9708-019B960494DF}">
-                  <a14:hiddenLine xmlns="" xmlns:a14="http://schemas.microsoft.com/office/drawing/2010/main" w="9525">
+                  <a14:hiddenLine xmlns:a14="http://schemas.microsoft.com/office/drawing/2010/main" xmlns="" w="9525">
                     <a:solidFill>
                       <a:srgbClr val="000000"/>
                     </a:solidFill>
@@ -10352,7 +10352,7 @@
               </a:ln>
               <a:extLst>
                 <a:ext uri="{91240B29-F687-4f45-9708-019B960494DF}">
-                  <a14:hiddenLine xmlns="" xmlns:a14="http://schemas.microsoft.com/office/drawing/2010/main" w="9525">
+                  <a14:hiddenLine xmlns:a14="http://schemas.microsoft.com/office/drawing/2010/main" xmlns="" w="9525">
                     <a:solidFill>
                       <a:srgbClr val="000000"/>
                     </a:solidFill>
@@ -10442,7 +10442,7 @@
               </a:ln>
               <a:extLst>
                 <a:ext uri="{91240B29-F687-4f45-9708-019B960494DF}">
-                  <a14:hiddenLine xmlns="" xmlns:a14="http://schemas.microsoft.com/office/drawing/2010/main" w="9525">
+                  <a14:hiddenLine xmlns:a14="http://schemas.microsoft.com/office/drawing/2010/main" xmlns="" w="9525">
                     <a:solidFill>
                       <a:srgbClr val="000000"/>
                     </a:solidFill>
@@ -10504,7 +10504,7 @@
               </a:ln>
               <a:extLst>
                 <a:ext uri="{91240B29-F687-4f45-9708-019B960494DF}">
-                  <a14:hiddenLine xmlns="" xmlns:a14="http://schemas.microsoft.com/office/drawing/2010/main" w="9525">
+                  <a14:hiddenLine xmlns:a14="http://schemas.microsoft.com/office/drawing/2010/main" xmlns="" w="9525">
                     <a:solidFill>
                       <a:srgbClr val="000000"/>
                     </a:solidFill>
@@ -10594,7 +10594,7 @@
               </a:ln>
               <a:extLst>
                 <a:ext uri="{91240B29-F687-4f45-9708-019B960494DF}">
-                  <a14:hiddenLine xmlns="" xmlns:a14="http://schemas.microsoft.com/office/drawing/2010/main" w="9525">
+                  <a14:hiddenLine xmlns:a14="http://schemas.microsoft.com/office/drawing/2010/main" xmlns="" w="9525">
                     <a:solidFill>
                       <a:srgbClr val="000000"/>
                     </a:solidFill>
@@ -10659,7 +10659,7 @@
               </a:ln>
               <a:extLst>
                 <a:ext uri="{91240B29-F687-4f45-9708-019B960494DF}">
-                  <a14:hiddenLine xmlns="" xmlns:a14="http://schemas.microsoft.com/office/drawing/2010/main" w="9525">
+                  <a14:hiddenLine xmlns:a14="http://schemas.microsoft.com/office/drawing/2010/main" xmlns="" w="9525">
                     <a:solidFill>
                       <a:srgbClr val="000000"/>
                     </a:solidFill>
@@ -10721,7 +10721,7 @@
               </a:ln>
               <a:extLst>
                 <a:ext uri="{91240B29-F687-4f45-9708-019B960494DF}">
-                  <a14:hiddenLine xmlns="" xmlns:a14="http://schemas.microsoft.com/office/drawing/2010/main" w="9525">
+                  <a14:hiddenLine xmlns:a14="http://schemas.microsoft.com/office/drawing/2010/main" xmlns="" w="9525">
                     <a:solidFill>
                       <a:srgbClr val="000000"/>
                     </a:solidFill>
@@ -10811,7 +10811,7 @@
               </a:ln>
               <a:extLst>
                 <a:ext uri="{91240B29-F687-4f45-9708-019B960494DF}">
-                  <a14:hiddenLine xmlns="" xmlns:a14="http://schemas.microsoft.com/office/drawing/2010/main" w="9525">
+                  <a14:hiddenLine xmlns:a14="http://schemas.microsoft.com/office/drawing/2010/main" xmlns="" w="9525">
                     <a:solidFill>
                       <a:srgbClr val="000000"/>
                     </a:solidFill>
@@ -10901,7 +10901,7 @@
               </a:ln>
               <a:extLst>
                 <a:ext uri="{91240B29-F687-4f45-9708-019B960494DF}">
-                  <a14:hiddenLine xmlns="" xmlns:a14="http://schemas.microsoft.com/office/drawing/2010/main" w="9525">
+                  <a14:hiddenLine xmlns:a14="http://schemas.microsoft.com/office/drawing/2010/main" xmlns="" w="9525">
                     <a:solidFill>
                       <a:srgbClr val="000000"/>
                     </a:solidFill>
@@ -10966,7 +10966,7 @@
               </a:ln>
               <a:extLst>
                 <a:ext uri="{91240B29-F687-4f45-9708-019B960494DF}">
-                  <a14:hiddenLine xmlns="" xmlns:a14="http://schemas.microsoft.com/office/drawing/2010/main" w="9525">
+                  <a14:hiddenLine xmlns:a14="http://schemas.microsoft.com/office/drawing/2010/main" xmlns="" w="9525">
                     <a:solidFill>
                       <a:srgbClr val="000000"/>
                     </a:solidFill>
@@ -11086,7 +11086,7 @@
               </a:ln>
               <a:extLst>
                 <a:ext uri="{91240B29-F687-4f45-9708-019B960494DF}">
-                  <a14:hiddenLine xmlns="" xmlns:a14="http://schemas.microsoft.com/office/drawing/2010/main" w="9525">
+                  <a14:hiddenLine xmlns:a14="http://schemas.microsoft.com/office/drawing/2010/main" xmlns="" w="9525">
                     <a:solidFill>
                       <a:srgbClr val="000000"/>
                     </a:solidFill>
@@ -11184,7 +11184,7 @@
               </a:ln>
               <a:extLst>
                 <a:ext uri="{91240B29-F687-4f45-9708-019B960494DF}">
-                  <a14:hiddenLine xmlns="" xmlns:a14="http://schemas.microsoft.com/office/drawing/2010/main" w="9525">
+                  <a14:hiddenLine xmlns:a14="http://schemas.microsoft.com/office/drawing/2010/main" xmlns="" w="9525">
                     <a:solidFill>
                       <a:srgbClr val="000000"/>
                     </a:solidFill>
@@ -11299,7 +11299,7 @@
               </a:ln>
               <a:extLst>
                 <a:ext uri="{91240B29-F687-4f45-9708-019B960494DF}">
-                  <a14:hiddenLine xmlns="" xmlns:a14="http://schemas.microsoft.com/office/drawing/2010/main" w="9525">
+                  <a14:hiddenLine xmlns:a14="http://schemas.microsoft.com/office/drawing/2010/main" xmlns="" w="9525">
                     <a:solidFill>
                       <a:srgbClr val="000000"/>
                     </a:solidFill>
@@ -11389,7 +11389,7 @@
               </a:ln>
               <a:extLst>
                 <a:ext uri="{91240B29-F687-4f45-9708-019B960494DF}">
-                  <a14:hiddenLine xmlns="" xmlns:a14="http://schemas.microsoft.com/office/drawing/2010/main" w="9525">
+                  <a14:hiddenLine xmlns:a14="http://schemas.microsoft.com/office/drawing/2010/main" xmlns="" w="9525">
                     <a:solidFill>
                       <a:srgbClr val="000000"/>
                     </a:solidFill>
@@ -11454,7 +11454,7 @@
               </a:ln>
               <a:extLst>
                 <a:ext uri="{91240B29-F687-4f45-9708-019B960494DF}">
-                  <a14:hiddenLine xmlns="" xmlns:a14="http://schemas.microsoft.com/office/drawing/2010/main" w="9525">
+                  <a14:hiddenLine xmlns:a14="http://schemas.microsoft.com/office/drawing/2010/main" xmlns="" w="9525">
                     <a:solidFill>
                       <a:srgbClr val="000000"/>
                     </a:solidFill>
@@ -11544,7 +11544,7 @@
               </a:ln>
               <a:extLst>
                 <a:ext uri="{91240B29-F687-4f45-9708-019B960494DF}">
-                  <a14:hiddenLine xmlns="" xmlns:a14="http://schemas.microsoft.com/office/drawing/2010/main" w="9525">
+                  <a14:hiddenLine xmlns:a14="http://schemas.microsoft.com/office/drawing/2010/main" xmlns="" w="9525">
                     <a:solidFill>
                       <a:srgbClr val="000000"/>
                     </a:solidFill>
@@ -11612,7 +11612,7 @@
               </a:ln>
               <a:extLst>
                 <a:ext uri="{91240B29-F687-4f45-9708-019B960494DF}">
-                  <a14:hiddenLine xmlns="" xmlns:a14="http://schemas.microsoft.com/office/drawing/2010/main" w="9525">
+                  <a14:hiddenLine xmlns:a14="http://schemas.microsoft.com/office/drawing/2010/main" xmlns="" w="9525">
                     <a:solidFill>
                       <a:srgbClr val="000000"/>
                     </a:solidFill>
@@ -11702,7 +11702,7 @@
               </a:ln>
               <a:extLst>
                 <a:ext uri="{91240B29-F687-4f45-9708-019B960494DF}">
-                  <a14:hiddenLine xmlns="" xmlns:a14="http://schemas.microsoft.com/office/drawing/2010/main" w="9525">
+                  <a14:hiddenLine xmlns:a14="http://schemas.microsoft.com/office/drawing/2010/main" xmlns="" w="9525">
                     <a:solidFill>
                       <a:srgbClr val="000000"/>
                     </a:solidFill>
@@ -11770,7 +11770,7 @@
               </a:ln>
               <a:extLst>
                 <a:ext uri="{91240B29-F687-4f45-9708-019B960494DF}">
-                  <a14:hiddenLine xmlns="" xmlns:a14="http://schemas.microsoft.com/office/drawing/2010/main" w="9525">
+                  <a14:hiddenLine xmlns:a14="http://schemas.microsoft.com/office/drawing/2010/main" xmlns="" w="9525">
                     <a:solidFill>
                       <a:srgbClr val="000000"/>
                     </a:solidFill>
@@ -11860,7 +11860,7 @@
               </a:ln>
               <a:extLst>
                 <a:ext uri="{91240B29-F687-4f45-9708-019B960494DF}">
-                  <a14:hiddenLine xmlns="" xmlns:a14="http://schemas.microsoft.com/office/drawing/2010/main" w="9525">
+                  <a14:hiddenLine xmlns:a14="http://schemas.microsoft.com/office/drawing/2010/main" xmlns="" w="9525">
                     <a:solidFill>
                       <a:srgbClr val="000000"/>
                     </a:solidFill>
@@ -11894,7 +11894,7 @@
               </a:ln>
               <a:extLst>
                 <a:ext uri="{91240B29-F687-4f45-9708-019B960494DF}">
-                  <a14:hiddenLine xmlns="" xmlns:a14="http://schemas.microsoft.com/office/drawing/2010/main" w="9525">
+                  <a14:hiddenLine xmlns:a14="http://schemas.microsoft.com/office/drawing/2010/main" xmlns="" w="9525">
                     <a:solidFill>
                       <a:srgbClr val="000000"/>
                     </a:solidFill>
@@ -12034,7 +12034,7 @@
           <a:p>
             <a:fld id="{A9E66B82-FD87-44C4-AFB6-D7AA7C09D1B4}" type="datetimeFigureOut">
               <a:rPr lang="pt-PT" smtClean="0"/>
-              <a:t>30/05/2022</a:t>
+              <a:t>31/05/2022</a:t>
             </a:fld>
             <a:endParaRPr lang="pt-PT"/>
           </a:p>
@@ -12518,8 +12518,20 @@
           <a:lstStyle/>
           <a:p>
             <a:r>
+              <a:rPr lang="pt-PT" i="1" dirty="0" err="1"/>
+              <a:t>Run</a:t>
+            </a:r>
+            <a:r>
               <a:rPr lang="pt-PT" i="1" dirty="0"/>
-              <a:t>Run Lenght encoding</a:t>
+              <a:t> </a:t>
+            </a:r>
+            <a:r>
+              <a:rPr lang="pt-PT" i="1" dirty="0" err="1"/>
+              <a:t>LengTh</a:t>
+            </a:r>
+            <a:r>
+              <a:rPr lang="pt-PT" i="1" dirty="0"/>
+              <a:t> encoding</a:t>
             </a:r>
           </a:p>
         </p:txBody>
@@ -12553,13 +12565,8 @@
           <a:p>
             <a:r>
               <a:rPr lang="pt-PT" dirty="0"/>
-              <a:t>Ana Almeida </a:t>
+              <a:t>Ana Almeida - 35456</a:t>
             </a:r>
-            <a:r>
-              <a:rPr lang="pt-PT"/>
-              <a:t>- 35456</a:t>
-            </a:r>
-            <a:endParaRPr lang="pt-PT" dirty="0"/>
           </a:p>
           <a:p>
             <a:r>
@@ -12975,7 +12982,7 @@
           <a:p>
             <a:r>
               <a:rPr lang="pt-PT" dirty="0"/>
-              <a:t>Compressão de imagem</a:t>
+              <a:t>Compressão e Descompressão de imagem</a:t>
             </a:r>
           </a:p>
         </p:txBody>
